--- a/day3/Troubleshooting.pptx
+++ b/day3/Troubleshooting.pptx
@@ -1,20 +1,20 @@
 
 <file path=ppt/presentation.xml><?xml version="1.0" encoding="utf-8"?>
-<p:presentation xmlns:a="http://schemas.openxmlformats.org/drawingml/2006/main" xmlns:r="http://schemas.openxmlformats.org/officeDocument/2006/relationships" xmlns:p="http://schemas.openxmlformats.org/presentationml/2006/main" xmlns:m="http://schemas.openxmlformats.org/officeDocument/2006/math" xmlns:a14="http://schemas.microsoft.com/office/drawing/2010/main">
+<p:presentation xmlns:a="http://schemas.openxmlformats.org/drawingml/2006/main" xmlns:r="http://schemas.openxmlformats.org/officeDocument/2006/relationships" xmlns:p="http://schemas.openxmlformats.org/presentationml/2006/main">
   <p:sldMasterIdLst>
-    <p:sldMasterId id="2147483648" r:id="rId5"/>
+    <p:sldMasterId id="2147483648" r:id="rId1"/>
   </p:sldMasterIdLst>
   <p:notesMasterIdLst>
     <p:notesMasterId r:id="rId7"/>
   </p:notesMasterIdLst>
   <p:sldIdLst>
-    <p:sldId id="256" r:id="rId8"/>
-    <p:sldId id="257" r:id="rId9"/>
-    <p:sldId id="258" r:id="rId10"/>
-    <p:sldId id="259" r:id="rId11"/>
-    <p:sldId id="260" r:id="rId12"/>
+    <p:sldId id="256" r:id="rId2"/>
+    <p:sldId id="257" r:id="rId3"/>
+    <p:sldId id="259" r:id="rId4"/>
+    <p:sldId id="258" r:id="rId5"/>
+    <p:sldId id="260" r:id="rId6"/>
   </p:sldIdLst>
-  <p:sldSz cx="9144000" cy="5143500"/>
+  <p:sldSz cx="9144000" cy="5143500" type="screen16x9"/>
   <p:notesSz cx="6858000" cy="9144000"/>
   <p:defaultTextStyle>
     <a:defPPr marL="0" marR="0" indent="0" algn="l" defTabSz="914400" rtl="0" fontAlgn="auto" latinLnBrk="1" hangingPunct="0">
@@ -32,7 +32,7 @@
       <a:buFontTx/>
       <a:buNone/>
       <a:tabLst/>
-      <a:defRPr b="0" baseline="0" cap="none" i="0" spc="0" strike="noStrike" sz="1800" u="none" kumimoji="0" normalizeH="0">
+      <a:defRPr kumimoji="0" sz="1800" b="0" i="0" u="none" strike="noStrike" cap="none" spc="0" normalizeH="0" baseline="0">
         <a:ln>
           <a:noFill/>
         </a:ln>
@@ -58,7 +58,7 @@
       <a:buFontTx/>
       <a:buNone/>
       <a:tabLst/>
-      <a:defRPr b="0" baseline="0" cap="none" i="0" spc="0" strike="noStrike" sz="1400" u="none" kumimoji="0" normalizeH="0">
+      <a:defRPr kumimoji="0" sz="1400" b="0" i="0" u="none" strike="noStrike" cap="none" spc="0" normalizeH="0" baseline="0">
         <a:ln>
           <a:noFill/>
         </a:ln>
@@ -88,7 +88,7 @@
       <a:buFontTx/>
       <a:buNone/>
       <a:tabLst/>
-      <a:defRPr b="0" baseline="0" cap="none" i="0" spc="0" strike="noStrike" sz="1400" u="none" kumimoji="0" normalizeH="0">
+      <a:defRPr kumimoji="0" sz="1400" b="0" i="0" u="none" strike="noStrike" cap="none" spc="0" normalizeH="0" baseline="0">
         <a:ln>
           <a:noFill/>
         </a:ln>
@@ -118,7 +118,7 @@
       <a:buFontTx/>
       <a:buNone/>
       <a:tabLst/>
-      <a:defRPr b="0" baseline="0" cap="none" i="0" spc="0" strike="noStrike" sz="1400" u="none" kumimoji="0" normalizeH="0">
+      <a:defRPr kumimoji="0" sz="1400" b="0" i="0" u="none" strike="noStrike" cap="none" spc="0" normalizeH="0" baseline="0">
         <a:ln>
           <a:noFill/>
         </a:ln>
@@ -148,7 +148,7 @@
       <a:buFontTx/>
       <a:buNone/>
       <a:tabLst/>
-      <a:defRPr b="0" baseline="0" cap="none" i="0" spc="0" strike="noStrike" sz="1400" u="none" kumimoji="0" normalizeH="0">
+      <a:defRPr kumimoji="0" sz="1400" b="0" i="0" u="none" strike="noStrike" cap="none" spc="0" normalizeH="0" baseline="0">
         <a:ln>
           <a:noFill/>
         </a:ln>
@@ -178,7 +178,7 @@
       <a:buFontTx/>
       <a:buNone/>
       <a:tabLst/>
-      <a:defRPr b="0" baseline="0" cap="none" i="0" spc="0" strike="noStrike" sz="1400" u="none" kumimoji="0" normalizeH="0">
+      <a:defRPr kumimoji="0" sz="1400" b="0" i="0" u="none" strike="noStrike" cap="none" spc="0" normalizeH="0" baseline="0">
         <a:ln>
           <a:noFill/>
         </a:ln>
@@ -208,7 +208,7 @@
       <a:buFontTx/>
       <a:buNone/>
       <a:tabLst/>
-      <a:defRPr b="0" baseline="0" cap="none" i="0" spc="0" strike="noStrike" sz="1400" u="none" kumimoji="0" normalizeH="0">
+      <a:defRPr kumimoji="0" sz="1400" b="0" i="0" u="none" strike="noStrike" cap="none" spc="0" normalizeH="0" baseline="0">
         <a:ln>
           <a:noFill/>
         </a:ln>
@@ -238,7 +238,7 @@
       <a:buFontTx/>
       <a:buNone/>
       <a:tabLst/>
-      <a:defRPr b="0" baseline="0" cap="none" i="0" spc="0" strike="noStrike" sz="1400" u="none" kumimoji="0" normalizeH="0">
+      <a:defRPr kumimoji="0" sz="1400" b="0" i="0" u="none" strike="noStrike" cap="none" spc="0" normalizeH="0" baseline="0">
         <a:ln>
           <a:noFill/>
         </a:ln>
@@ -268,7 +268,7 @@
       <a:buFontTx/>
       <a:buNone/>
       <a:tabLst/>
-      <a:defRPr b="0" baseline="0" cap="none" i="0" spc="0" strike="noStrike" sz="1400" u="none" kumimoji="0" normalizeH="0">
+      <a:defRPr kumimoji="0" sz="1400" b="0" i="0" u="none" strike="noStrike" cap="none" spc="0" normalizeH="0" baseline="0">
         <a:ln>
           <a:noFill/>
         </a:ln>
@@ -298,7 +298,7 @@
       <a:buFontTx/>
       <a:buNone/>
       <a:tabLst/>
-      <a:defRPr b="0" baseline="0" cap="none" i="0" spc="0" strike="noStrike" sz="1400" u="none" kumimoji="0" normalizeH="0">
+      <a:defRPr kumimoji="0" sz="1400" b="0" i="0" u="none" strike="noStrike" cap="none" spc="0" normalizeH="0" baseline="0">
         <a:ln>
           <a:noFill/>
         </a:ln>
@@ -317,13 +317,14 @@
 </p:presentation>
 </file>
 
-<file path=ppt/commentAuthors.xml><?xml version="1.0" encoding="utf-8"?>
-<p:cmAuthorLst xmlns:a="http://schemas.openxmlformats.org/drawingml/2006/main" xmlns:r="http://schemas.openxmlformats.org/officeDocument/2006/relationships" xmlns:p="http://schemas.openxmlformats.org/presentationml/2006/main" xmlns:m="http://schemas.openxmlformats.org/officeDocument/2006/math" xmlns:a14="http://schemas.microsoft.com/office/drawing/2010/main"/>
-</file>
-
 <file path=ppt/notesMasters/notesMaster1.xml><?xml version="1.0" encoding="utf-8"?>
-<p:notesMaster xmlns:a="http://schemas.openxmlformats.org/drawingml/2006/main" xmlns:r="http://schemas.openxmlformats.org/officeDocument/2006/relationships" xmlns:p="http://schemas.openxmlformats.org/presentationml/2006/main" xmlns:m="http://schemas.openxmlformats.org/officeDocument/2006/math" xmlns:a14="http://schemas.microsoft.com/office/drawing/2010/main">
+<p:notesMaster xmlns:a="http://schemas.openxmlformats.org/drawingml/2006/main" xmlns:r="http://schemas.openxmlformats.org/officeDocument/2006/relationships" xmlns:p="http://schemas.openxmlformats.org/presentationml/2006/main">
   <p:cSld>
+    <p:bg>
+      <p:bgRef idx="1001">
+        <a:schemeClr val="bg1"/>
+      </p:bgRef>
+    </p:bg>
     <p:spTree>
       <p:nvGrpSpPr>
         <p:cNvPr id="1" name=""/>
@@ -341,7 +342,9 @@
       <p:sp>
         <p:nvSpPr>
           <p:cNvPr id="215" name="Shape 215"/>
-          <p:cNvSpPr/>
+          <p:cNvSpPr>
+            <a:spLocks noGrp="1" noRot="1" noChangeAspect="1"/>
+          </p:cNvSpPr>
           <p:nvPr>
             <p:ph type="sldImg"/>
           </p:nvPr>
@@ -359,14 +362,16 @@
           <a:bodyPr/>
           <a:lstStyle/>
           <a:p>
-            <a:pPr/>
+            <a:endParaRPr/>
           </a:p>
         </p:txBody>
       </p:sp>
       <p:sp>
         <p:nvSpPr>
           <p:cNvPr id="216" name="Shape 216"/>
-          <p:cNvSpPr/>
+          <p:cNvSpPr>
+            <a:spLocks noGrp="1"/>
+          </p:cNvSpPr>
           <p:nvPr>
             <p:ph type="body" sz="quarter" idx="1"/>
           </p:nvPr>
@@ -384,11 +389,16 @@
           <a:bodyPr/>
           <a:lstStyle/>
           <a:p>
-            <a:pPr/>
+            <a:endParaRPr/>
           </a:p>
         </p:txBody>
       </p:sp>
     </p:spTree>
+    <p:extLst>
+      <p:ext uri="{BB962C8B-B14F-4D97-AF65-F5344CB8AC3E}">
+        <p14:creationId xmlns:p14="http://schemas.microsoft.com/office/powerpoint/2010/main" val="1108385203"/>
+      </p:ext>
+    </p:extLst>
   </p:cSld>
   <p:clrMap bg1="lt1" tx1="dk1" bg2="lt2" tx2="dk2" accent1="accent1" accent2="accent2" accent3="accent3" accent4="accent4" accent5="accent5" accent6="accent6" hlink="hlink" folHlink="folHlink"/>
   <p:notesStyle>
@@ -469,7 +479,7 @@
 </file>
 
 <file path=ppt/slideLayouts/slideLayout1.xml><?xml version="1.0" encoding="utf-8"?>
-<p:sldLayout xmlns:a="http://schemas.openxmlformats.org/drawingml/2006/main" xmlns:r="http://schemas.openxmlformats.org/officeDocument/2006/relationships" xmlns:p="http://schemas.openxmlformats.org/presentationml/2006/main" xmlns:m="http://schemas.openxmlformats.org/officeDocument/2006/math" xmlns:a14="http://schemas.microsoft.com/office/drawing/2010/main" type="title" showMasterSp="0" showMasterPhAnim="1">
+<p:sldLayout xmlns:a="http://schemas.openxmlformats.org/drawingml/2006/main" xmlns:r="http://schemas.openxmlformats.org/officeDocument/2006/relationships" xmlns:p="http://schemas.openxmlformats.org/presentationml/2006/main" showMasterSp="0" type="title">
   <p:cSld name="Title Page">
     <p:spTree>
       <p:nvGrpSpPr>
@@ -517,6 +527,7 @@
                 </a:solidFill>
               </a:defRPr>
             </a:pPr>
+            <a:endParaRPr/>
           </a:p>
         </p:txBody>
       </p:sp>
@@ -552,7 +563,9 @@
       <p:sp>
         <p:nvSpPr>
           <p:cNvPr id="15" name="Title Text"/>
-          <p:cNvSpPr txBox="1"/>
+          <p:cNvSpPr txBox="1">
+            <a:spLocks noGrp="1"/>
+          </p:cNvSpPr>
           <p:nvPr>
             <p:ph type="title"/>
           </p:nvPr>
@@ -568,11 +581,11 @@
         </p:spPr>
         <p:txBody>
           <a:bodyPr lIns="91424" tIns="91424" rIns="91424" bIns="91424">
-            <a:normAutofit fontScale="100000" lnSpcReduction="0"/>
+            <a:normAutofit/>
           </a:bodyPr>
           <a:lstStyle>
             <a:lvl1pPr>
-              <a:defRPr b="1" sz="3600">
+              <a:defRPr sz="3600" b="1">
                 <a:solidFill>
                   <a:schemeClr val="accent2"/>
                 </a:solidFill>
@@ -580,7 +593,6 @@
             </a:lvl1pPr>
           </a:lstStyle>
           <a:p>
-            <a:pPr/>
             <a:r>
               <a:t>Title Text</a:t>
             </a:r>
@@ -590,7 +602,9 @@
       <p:sp>
         <p:nvSpPr>
           <p:cNvPr id="16" name="Body Level One…"/>
-          <p:cNvSpPr txBox="1"/>
+          <p:cNvSpPr txBox="1">
+            <a:spLocks noGrp="1"/>
+          </p:cNvSpPr>
           <p:nvPr>
             <p:ph type="body" sz="quarter" idx="1"/>
           </p:nvPr>
@@ -606,7 +620,7 @@
         </p:spPr>
         <p:txBody>
           <a:bodyPr lIns="91424" tIns="91424" rIns="91424" bIns="91424" anchor="ctr">
-            <a:normAutofit fontScale="100000" lnSpcReduction="0"/>
+            <a:normAutofit/>
           </a:bodyPr>
           <a:lstStyle>
             <a:lvl1pPr>
@@ -646,7 +660,6 @@
             </a:lvl5pPr>
           </a:lstStyle>
           <a:p>
-            <a:pPr/>
             <a:r>
               <a:t>Body Level One</a:t>
             </a:r>
@@ -720,7 +733,7 @@
             </a:bodyPr>
             <a:lstStyle/>
             <a:p>
-              <a:pPr/>
+              <a:endParaRPr/>
             </a:p>
           </p:txBody>
         </p:sp>
@@ -764,7 +777,6 @@
               </a:lvl1pPr>
             </a:lstStyle>
             <a:p>
-              <a:pPr/>
               <a:r>
                 <a:t>background image:  960x540 pixels - send to back of slide and set to 80% transparency</a:t>
               </a:r>
@@ -775,7 +787,9 @@
       <p:sp>
         <p:nvSpPr>
           <p:cNvPr id="20" name="Slide Number"/>
-          <p:cNvSpPr txBox="1"/>
+          <p:cNvSpPr txBox="1">
+            <a:spLocks noGrp="1"/>
+          </p:cNvSpPr>
           <p:nvPr>
             <p:ph type="sldNum" sz="quarter" idx="2"/>
           </p:nvPr>
@@ -789,8 +803,10 @@
           <a:bodyPr/>
           <a:lstStyle/>
           <a:p>
-            <a:pPr/>
-            <a:fld id="{86CB4B4D-7CA3-9044-876B-883B54F8677D}" type="slidenum"/>
+            <a:fld id="{86CB4B4D-7CA3-9044-876B-883B54F8677D}" type="slidenum">
+              <a:t>‹#›</a:t>
+            </a:fld>
+            <a:endParaRPr/>
           </a:p>
         </p:txBody>
       </p:sp>
@@ -799,12 +815,12 @@
   <p:clrMapOvr>
     <a:masterClrMapping/>
   </p:clrMapOvr>
-  <p:transition xmlns:p14="http://schemas.microsoft.com/office/powerpoint/2010/main" spd="med" advClick="1"/>
+  <p:transition xmlns:p14="http://schemas.microsoft.com/office/powerpoint/2010/main" spd="med"/>
 </p:sldLayout>
 </file>
 
 <file path=ppt/slideLayouts/slideLayout10.xml><?xml version="1.0" encoding="utf-8"?>
-<p:sldLayout xmlns:a="http://schemas.openxmlformats.org/drawingml/2006/main" xmlns:r="http://schemas.openxmlformats.org/officeDocument/2006/relationships" xmlns:p="http://schemas.openxmlformats.org/presentationml/2006/main" xmlns:m="http://schemas.openxmlformats.org/officeDocument/2006/math" xmlns:a14="http://schemas.microsoft.com/office/drawing/2010/main" type="tx" showMasterSp="1" showMasterPhAnim="1">
+<p:sldLayout xmlns:a="http://schemas.openxmlformats.org/drawingml/2006/main" xmlns:r="http://schemas.openxmlformats.org/officeDocument/2006/relationships" xmlns:p="http://schemas.openxmlformats.org/presentationml/2006/main" type="tx">
   <p:cSld name="Small image and text">
     <p:spTree>
       <p:nvGrpSpPr>
@@ -823,7 +839,9 @@
       <p:sp>
         <p:nvSpPr>
           <p:cNvPr id="106" name="Body Level One…"/>
-          <p:cNvSpPr txBox="1"/>
+          <p:cNvSpPr txBox="1">
+            <a:spLocks noGrp="1"/>
+          </p:cNvSpPr>
           <p:nvPr>
             <p:ph type="body" sz="quarter" idx="1"/>
           </p:nvPr>
@@ -839,7 +857,7 @@
         </p:spPr>
         <p:txBody>
           <a:bodyPr lIns="91424" tIns="91424" rIns="91424" bIns="91424">
-            <a:normAutofit fontScale="100000" lnSpcReduction="0"/>
+            <a:normAutofit/>
           </a:bodyPr>
           <a:lstStyle>
             <a:lvl1pPr>
@@ -879,7 +897,6 @@
             </a:lvl5pPr>
           </a:lstStyle>
           <a:p>
-            <a:pPr/>
             <a:r>
               <a:t>Body Level One</a:t>
             </a:r>
@@ -913,7 +930,9 @@
       <p:sp>
         <p:nvSpPr>
           <p:cNvPr id="107" name="Title Text"/>
-          <p:cNvSpPr txBox="1"/>
+          <p:cNvSpPr txBox="1">
+            <a:spLocks noGrp="1"/>
+          </p:cNvSpPr>
           <p:nvPr>
             <p:ph type="title"/>
           </p:nvPr>
@@ -929,11 +948,11 @@
         </p:spPr>
         <p:txBody>
           <a:bodyPr lIns="91424" tIns="91424" rIns="91424" bIns="91424">
-            <a:normAutofit fontScale="100000" lnSpcReduction="0"/>
+            <a:normAutofit/>
           </a:bodyPr>
           <a:lstStyle>
             <a:lvl1pPr>
-              <a:defRPr b="1" sz="2800">
+              <a:defRPr sz="2800" b="1">
                 <a:solidFill>
                   <a:schemeClr val="accent1"/>
                 </a:solidFill>
@@ -941,7 +960,6 @@
             </a:lvl1pPr>
           </a:lstStyle>
           <a:p>
-            <a:pPr/>
             <a:r>
               <a:t>Title Text</a:t>
             </a:r>
@@ -951,7 +969,9 @@
       <p:sp>
         <p:nvSpPr>
           <p:cNvPr id="108" name="Shape 70"/>
-          <p:cNvSpPr txBox="1"/>
+          <p:cNvSpPr txBox="1">
+            <a:spLocks noGrp="1"/>
+          </p:cNvSpPr>
           <p:nvPr>
             <p:ph type="body" sz="half" idx="13"/>
           </p:nvPr>
@@ -967,7 +987,7 @@
         </p:spPr>
         <p:txBody>
           <a:bodyPr lIns="91424" tIns="91424" rIns="91424" bIns="91424">
-            <a:normAutofit fontScale="100000" lnSpcReduction="0"/>
+            <a:normAutofit/>
           </a:bodyPr>
           <a:lstStyle/>
           <a:p>
@@ -983,13 +1003,16 @@
                 </a:solidFill>
               </a:defRPr>
             </a:pPr>
+            <a:endParaRPr/>
           </a:p>
         </p:txBody>
       </p:sp>
       <p:sp>
         <p:nvSpPr>
           <p:cNvPr id="109" name="Slide Number"/>
-          <p:cNvSpPr txBox="1"/>
+          <p:cNvSpPr txBox="1">
+            <a:spLocks noGrp="1"/>
+          </p:cNvSpPr>
           <p:nvPr>
             <p:ph type="sldNum" sz="quarter" idx="2"/>
           </p:nvPr>
@@ -1003,8 +1026,10 @@
           <a:bodyPr/>
           <a:lstStyle/>
           <a:p>
-            <a:pPr/>
-            <a:fld id="{86CB4B4D-7CA3-9044-876B-883B54F8677D}" type="slidenum"/>
+            <a:fld id="{86CB4B4D-7CA3-9044-876B-883B54F8677D}" type="slidenum">
+              <a:t>‹#›</a:t>
+            </a:fld>
+            <a:endParaRPr/>
           </a:p>
         </p:txBody>
       </p:sp>
@@ -1013,12 +1038,12 @@
   <p:clrMapOvr>
     <a:masterClrMapping/>
   </p:clrMapOvr>
-  <p:transition xmlns:p14="http://schemas.microsoft.com/office/powerpoint/2010/main" spd="med" advClick="1"/>
+  <p:transition xmlns:p14="http://schemas.microsoft.com/office/powerpoint/2010/main" spd="med"/>
 </p:sldLayout>
 </file>
 
 <file path=ppt/slideLayouts/slideLayout11.xml><?xml version="1.0" encoding="utf-8"?>
-<p:sldLayout xmlns:a="http://schemas.openxmlformats.org/drawingml/2006/main" xmlns:r="http://schemas.openxmlformats.org/officeDocument/2006/relationships" xmlns:p="http://schemas.openxmlformats.org/presentationml/2006/main" xmlns:m="http://schemas.openxmlformats.org/officeDocument/2006/math" xmlns:a14="http://schemas.microsoft.com/office/drawing/2010/main" type="tx" showMasterSp="0" showMasterPhAnim="1">
+<p:sldLayout xmlns:a="http://schemas.openxmlformats.org/drawingml/2006/main" xmlns:r="http://schemas.openxmlformats.org/officeDocument/2006/relationships" xmlns:p="http://schemas.openxmlformats.org/presentationml/2006/main" showMasterSp="0" type="tx">
   <p:cSld name="Impact Slide">
     <p:spTree>
       <p:nvGrpSpPr>
@@ -1066,6 +1091,7 @@
                 </a:solidFill>
               </a:defRPr>
             </a:pPr>
+            <a:endParaRPr/>
           </a:p>
         </p:txBody>
       </p:sp>
@@ -1101,7 +1127,9 @@
       <p:sp>
         <p:nvSpPr>
           <p:cNvPr id="118" name="Title Text"/>
-          <p:cNvSpPr txBox="1"/>
+          <p:cNvSpPr txBox="1">
+            <a:spLocks noGrp="1"/>
+          </p:cNvSpPr>
           <p:nvPr>
             <p:ph type="title"/>
           </p:nvPr>
@@ -1117,7 +1145,7 @@
         </p:spPr>
         <p:txBody>
           <a:bodyPr lIns="91424" tIns="91424" rIns="91424" bIns="91424">
-            <a:normAutofit fontScale="100000" lnSpcReduction="0"/>
+            <a:normAutofit/>
           </a:bodyPr>
           <a:lstStyle>
             <a:lvl1pPr>
@@ -1129,7 +1157,6 @@
             </a:lvl1pPr>
           </a:lstStyle>
           <a:p>
-            <a:pPr/>
             <a:r>
               <a:t>Title Text</a:t>
             </a:r>
@@ -1179,7 +1206,7 @@
             </a:bodyPr>
             <a:lstStyle/>
             <a:p>
-              <a:pPr/>
+              <a:endParaRPr/>
             </a:p>
           </p:txBody>
         </p:sp>
@@ -1223,7 +1250,6 @@
               </a:lvl1pPr>
             </a:lstStyle>
             <a:p>
-              <a:pPr/>
               <a:r>
                 <a:t>background image:  960x540 pixels - send to back of slide and set to 80% transparency</a:t>
               </a:r>
@@ -1234,7 +1260,9 @@
       <p:sp>
         <p:nvSpPr>
           <p:cNvPr id="122" name="Slide Number"/>
-          <p:cNvSpPr txBox="1"/>
+          <p:cNvSpPr txBox="1">
+            <a:spLocks noGrp="1"/>
+          </p:cNvSpPr>
           <p:nvPr>
             <p:ph type="sldNum" sz="quarter" idx="2"/>
           </p:nvPr>
@@ -1248,8 +1276,10 @@
           <a:bodyPr/>
           <a:lstStyle/>
           <a:p>
-            <a:pPr/>
-            <a:fld id="{86CB4B4D-7CA3-9044-876B-883B54F8677D}" type="slidenum"/>
+            <a:fld id="{86CB4B4D-7CA3-9044-876B-883B54F8677D}" type="slidenum">
+              <a:t>‹#›</a:t>
+            </a:fld>
+            <a:endParaRPr/>
           </a:p>
         </p:txBody>
       </p:sp>
@@ -1258,12 +1288,12 @@
   <p:clrMapOvr>
     <a:masterClrMapping/>
   </p:clrMapOvr>
-  <p:transition xmlns:p14="http://schemas.microsoft.com/office/powerpoint/2010/main" spd="med" advClick="1"/>
+  <p:transition xmlns:p14="http://schemas.microsoft.com/office/powerpoint/2010/main" spd="med"/>
 </p:sldLayout>
 </file>
 
 <file path=ppt/slideLayouts/slideLayout12.xml><?xml version="1.0" encoding="utf-8"?>
-<p:sldLayout xmlns:a="http://schemas.openxmlformats.org/drawingml/2006/main" xmlns:r="http://schemas.openxmlformats.org/officeDocument/2006/relationships" xmlns:p="http://schemas.openxmlformats.org/presentationml/2006/main" xmlns:m="http://schemas.openxmlformats.org/officeDocument/2006/math" xmlns:a14="http://schemas.microsoft.com/office/drawing/2010/main" type="tx" showMasterSp="0" showMasterPhAnim="1">
+<p:sldLayout xmlns:a="http://schemas.openxmlformats.org/drawingml/2006/main" xmlns:r="http://schemas.openxmlformats.org/officeDocument/2006/relationships" xmlns:p="http://schemas.openxmlformats.org/presentationml/2006/main" showMasterSp="0" type="tx">
   <p:cSld name="Side by Side">
     <p:spTree>
       <p:nvGrpSpPr>
@@ -1311,13 +1341,16 @@
                 </a:solidFill>
               </a:defRPr>
             </a:pPr>
+            <a:endParaRPr/>
           </a:p>
         </p:txBody>
       </p:sp>
       <p:sp>
         <p:nvSpPr>
           <p:cNvPr id="130" name="Body Level One…"/>
-          <p:cNvSpPr txBox="1"/>
+          <p:cNvSpPr txBox="1">
+            <a:spLocks noGrp="1"/>
+          </p:cNvSpPr>
           <p:nvPr>
             <p:ph type="body" sz="quarter" idx="1"/>
           </p:nvPr>
@@ -1333,7 +1366,7 @@
         </p:spPr>
         <p:txBody>
           <a:bodyPr lIns="91424" tIns="91424" rIns="91424" bIns="91424">
-            <a:normAutofit fontScale="100000" lnSpcReduction="0"/>
+            <a:normAutofit/>
           </a:bodyPr>
           <a:lstStyle>
             <a:lvl1pPr>
@@ -1373,7 +1406,6 @@
             </a:lvl5pPr>
           </a:lstStyle>
           <a:p>
-            <a:pPr/>
             <a:r>
               <a:t>Body Level One</a:t>
             </a:r>
@@ -1407,7 +1439,9 @@
       <p:sp>
         <p:nvSpPr>
           <p:cNvPr id="131" name="Title Text"/>
-          <p:cNvSpPr txBox="1"/>
+          <p:cNvSpPr txBox="1">
+            <a:spLocks noGrp="1"/>
+          </p:cNvSpPr>
           <p:nvPr>
             <p:ph type="title"/>
           </p:nvPr>
@@ -1423,11 +1457,11 @@
         </p:spPr>
         <p:txBody>
           <a:bodyPr lIns="91424" tIns="91424" rIns="91424" bIns="91424">
-            <a:normAutofit fontScale="100000" lnSpcReduction="0"/>
+            <a:normAutofit/>
           </a:bodyPr>
           <a:lstStyle>
             <a:lvl1pPr>
-              <a:defRPr b="1" sz="2800">
+              <a:defRPr sz="2800" b="1">
                 <a:solidFill>
                   <a:schemeClr val="accent1"/>
                 </a:solidFill>
@@ -1435,7 +1469,6 @@
             </a:lvl1pPr>
           </a:lstStyle>
           <a:p>
-            <a:pPr/>
             <a:r>
               <a:t>Title Text</a:t>
             </a:r>
@@ -1467,7 +1500,7 @@
           <a:bodyPr lIns="45719" rIns="45719" anchor="ctr"/>
           <a:lstStyle/>
           <a:p>
-            <a:pPr/>
+            <a:endParaRPr/>
           </a:p>
         </p:txBody>
       </p:sp>
@@ -1537,7 +1570,6 @@
             </a:lvl1pPr>
           </a:lstStyle>
           <a:p>
-            <a:pPr/>
             <a:r>
               <a:t>cover this square with an image (540 x 480 pixels)</a:t>
             </a:r>
@@ -1569,7 +1601,7 @@
           <a:bodyPr lIns="45719" rIns="45719"/>
           <a:lstStyle/>
           <a:p>
-            <a:pPr/>
+            <a:endParaRPr/>
           </a:p>
         </p:txBody>
       </p:sp>
@@ -1598,7 +1630,7 @@
           <a:bodyPr lIns="45719" rIns="45719"/>
           <a:lstStyle/>
           <a:p>
-            <a:pPr/>
+            <a:endParaRPr/>
           </a:p>
         </p:txBody>
       </p:sp>
@@ -1627,7 +1659,7 @@
           <a:bodyPr lIns="45719" rIns="45719"/>
           <a:lstStyle/>
           <a:p>
-            <a:pPr/>
+            <a:endParaRPr/>
           </a:p>
         </p:txBody>
       </p:sp>
@@ -1656,14 +1688,16 @@
           <a:bodyPr lIns="45719" rIns="45719"/>
           <a:lstStyle/>
           <a:p>
-            <a:pPr/>
+            <a:endParaRPr/>
           </a:p>
         </p:txBody>
       </p:sp>
       <p:sp>
         <p:nvSpPr>
           <p:cNvPr id="139" name="Shape 89"/>
-          <p:cNvSpPr txBox="1"/>
+          <p:cNvSpPr txBox="1">
+            <a:spLocks noGrp="1"/>
+          </p:cNvSpPr>
           <p:nvPr>
             <p:ph type="body" sz="half" idx="13"/>
           </p:nvPr>
@@ -1679,7 +1713,7 @@
         </p:spPr>
         <p:txBody>
           <a:bodyPr lIns="91424" tIns="91424" rIns="91424" bIns="91424">
-            <a:normAutofit fontScale="100000" lnSpcReduction="0"/>
+            <a:normAutofit/>
           </a:bodyPr>
           <a:lstStyle/>
           <a:p>
@@ -1695,13 +1729,16 @@
                 </a:solidFill>
               </a:defRPr>
             </a:pPr>
+            <a:endParaRPr/>
           </a:p>
         </p:txBody>
       </p:sp>
       <p:sp>
         <p:nvSpPr>
           <p:cNvPr id="140" name="Slide Number"/>
-          <p:cNvSpPr txBox="1"/>
+          <p:cNvSpPr txBox="1">
+            <a:spLocks noGrp="1"/>
+          </p:cNvSpPr>
           <p:nvPr>
             <p:ph type="sldNum" sz="quarter" idx="2"/>
           </p:nvPr>
@@ -1715,8 +1752,10 @@
           <a:bodyPr/>
           <a:lstStyle/>
           <a:p>
-            <a:pPr/>
-            <a:fld id="{86CB4B4D-7CA3-9044-876B-883B54F8677D}" type="slidenum"/>
+            <a:fld id="{86CB4B4D-7CA3-9044-876B-883B54F8677D}" type="slidenum">
+              <a:t>‹#›</a:t>
+            </a:fld>
+            <a:endParaRPr/>
           </a:p>
         </p:txBody>
       </p:sp>
@@ -1725,12 +1764,12 @@
   <p:clrMapOvr>
     <a:masterClrMapping/>
   </p:clrMapOvr>
-  <p:transition xmlns:p14="http://schemas.microsoft.com/office/powerpoint/2010/main" spd="med" advClick="1"/>
+  <p:transition xmlns:p14="http://schemas.microsoft.com/office/powerpoint/2010/main" spd="med"/>
 </p:sldLayout>
 </file>
 
 <file path=ppt/slideLayouts/slideLayout13.xml><?xml version="1.0" encoding="utf-8"?>
-<p:sldLayout xmlns:a="http://schemas.openxmlformats.org/drawingml/2006/main" xmlns:r="http://schemas.openxmlformats.org/officeDocument/2006/relationships" xmlns:p="http://schemas.openxmlformats.org/presentationml/2006/main" xmlns:m="http://schemas.openxmlformats.org/officeDocument/2006/math" xmlns:a14="http://schemas.microsoft.com/office/drawing/2010/main" type="tx" showMasterSp="0" showMasterPhAnim="1">
+<p:sldLayout xmlns:a="http://schemas.openxmlformats.org/drawingml/2006/main" xmlns:r="http://schemas.openxmlformats.org/officeDocument/2006/relationships" xmlns:p="http://schemas.openxmlformats.org/presentationml/2006/main" showMasterSp="0" type="tx">
   <p:cSld name="Side by Side_big number">
     <p:spTree>
       <p:nvGrpSpPr>
@@ -1749,7 +1788,9 @@
       <p:sp>
         <p:nvSpPr>
           <p:cNvPr id="147" name="Title Text"/>
-          <p:cNvSpPr txBox="1"/>
+          <p:cNvSpPr txBox="1">
+            <a:spLocks noGrp="1"/>
+          </p:cNvSpPr>
           <p:nvPr>
             <p:ph type="title"/>
           </p:nvPr>
@@ -1765,11 +1806,11 @@
         </p:spPr>
         <p:txBody>
           <a:bodyPr lIns="91424" tIns="91424" rIns="91424" bIns="91424">
-            <a:normAutofit fontScale="100000" lnSpcReduction="0"/>
+            <a:normAutofit/>
           </a:bodyPr>
           <a:lstStyle>
             <a:lvl1pPr>
-              <a:defRPr b="1" sz="9600">
+              <a:defRPr sz="9600" b="1">
                 <a:solidFill>
                   <a:schemeClr val="accent1"/>
                 </a:solidFill>
@@ -1777,7 +1818,6 @@
             </a:lvl1pPr>
           </a:lstStyle>
           <a:p>
-            <a:pPr/>
             <a:r>
               <a:t>Title Text</a:t>
             </a:r>
@@ -1816,13 +1856,16 @@
                 </a:solidFill>
               </a:defRPr>
             </a:pPr>
+            <a:endParaRPr/>
           </a:p>
         </p:txBody>
       </p:sp>
       <p:sp>
         <p:nvSpPr>
           <p:cNvPr id="149" name="Body Level One…"/>
-          <p:cNvSpPr txBox="1"/>
+          <p:cNvSpPr txBox="1">
+            <a:spLocks noGrp="1"/>
+          </p:cNvSpPr>
           <p:nvPr>
             <p:ph type="body" sz="quarter" idx="1"/>
           </p:nvPr>
@@ -1838,7 +1881,7 @@
         </p:spPr>
         <p:txBody>
           <a:bodyPr lIns="91424" tIns="91424" rIns="91424" bIns="91424">
-            <a:normAutofit fontScale="100000" lnSpcReduction="0"/>
+            <a:normAutofit/>
           </a:bodyPr>
           <a:lstStyle>
             <a:lvl1pPr>
@@ -1878,7 +1921,6 @@
             </a:lvl5pPr>
           </a:lstStyle>
           <a:p>
-            <a:pPr/>
             <a:r>
               <a:t>Body Level One</a:t>
             </a:r>
@@ -1934,7 +1976,7 @@
           <a:bodyPr lIns="45719" rIns="45719" anchor="ctr"/>
           <a:lstStyle/>
           <a:p>
-            <a:pPr/>
+            <a:endParaRPr/>
           </a:p>
         </p:txBody>
       </p:sp>
@@ -1992,7 +2034,7 @@
           <a:bodyPr lIns="45719" rIns="45719"/>
           <a:lstStyle/>
           <a:p>
-            <a:pPr/>
+            <a:endParaRPr/>
           </a:p>
         </p:txBody>
       </p:sp>
@@ -2021,7 +2063,7 @@
           <a:bodyPr lIns="45719" rIns="45719"/>
           <a:lstStyle/>
           <a:p>
-            <a:pPr/>
+            <a:endParaRPr/>
           </a:p>
         </p:txBody>
       </p:sp>
@@ -2050,7 +2092,7 @@
           <a:bodyPr lIns="45719" rIns="45719"/>
           <a:lstStyle/>
           <a:p>
-            <a:pPr/>
+            <a:endParaRPr/>
           </a:p>
         </p:txBody>
       </p:sp>
@@ -2079,7 +2121,7 @@
           <a:bodyPr lIns="45719" rIns="45719"/>
           <a:lstStyle/>
           <a:p>
-            <a:pPr/>
+            <a:endParaRPr/>
           </a:p>
         </p:txBody>
       </p:sp>
@@ -2120,7 +2162,6 @@
             </a:lvl1pPr>
           </a:lstStyle>
           <a:p>
-            <a:pPr/>
             <a:r>
               <a:t>cover this square with an image (540 x 480 pixels)</a:t>
             </a:r>
@@ -2130,7 +2171,9 @@
       <p:sp>
         <p:nvSpPr>
           <p:cNvPr id="157" name="Slide Number"/>
-          <p:cNvSpPr txBox="1"/>
+          <p:cNvSpPr txBox="1">
+            <a:spLocks noGrp="1"/>
+          </p:cNvSpPr>
           <p:nvPr>
             <p:ph type="sldNum" sz="quarter" idx="2"/>
           </p:nvPr>
@@ -2144,8 +2187,10 @@
           <a:bodyPr/>
           <a:lstStyle/>
           <a:p>
-            <a:pPr/>
-            <a:fld id="{86CB4B4D-7CA3-9044-876B-883B54F8677D}" type="slidenum"/>
+            <a:fld id="{86CB4B4D-7CA3-9044-876B-883B54F8677D}" type="slidenum">
+              <a:t>‹#›</a:t>
+            </a:fld>
+            <a:endParaRPr/>
           </a:p>
         </p:txBody>
       </p:sp>
@@ -2154,12 +2199,12 @@
   <p:clrMapOvr>
     <a:masterClrMapping/>
   </p:clrMapOvr>
-  <p:transition xmlns:p14="http://schemas.microsoft.com/office/powerpoint/2010/main" spd="med" advClick="1"/>
+  <p:transition xmlns:p14="http://schemas.microsoft.com/office/powerpoint/2010/main" spd="med"/>
 </p:sldLayout>
 </file>
 
 <file path=ppt/slideLayouts/slideLayout14.xml><?xml version="1.0" encoding="utf-8"?>
-<p:sldLayout xmlns:a="http://schemas.openxmlformats.org/drawingml/2006/main" xmlns:r="http://schemas.openxmlformats.org/officeDocument/2006/relationships" xmlns:p="http://schemas.openxmlformats.org/presentationml/2006/main" xmlns:m="http://schemas.openxmlformats.org/officeDocument/2006/math" xmlns:a14="http://schemas.microsoft.com/office/drawing/2010/main" type="tx" showMasterSp="0" showMasterPhAnim="1">
+<p:sldLayout xmlns:a="http://schemas.openxmlformats.org/drawingml/2006/main" xmlns:r="http://schemas.openxmlformats.org/officeDocument/2006/relationships" xmlns:p="http://schemas.openxmlformats.org/presentationml/2006/main" showMasterSp="0" type="tx">
   <p:cSld name="Side by Side - Text only">
     <p:spTree>
       <p:nvGrpSpPr>
@@ -2207,6 +2252,7 @@
                 </a:solidFill>
               </a:defRPr>
             </a:pPr>
+            <a:endParaRPr/>
           </a:p>
         </p:txBody>
       </p:sp>
@@ -2242,7 +2288,9 @@
       <p:sp>
         <p:nvSpPr>
           <p:cNvPr id="166" name="Body Level One…"/>
-          <p:cNvSpPr txBox="1"/>
+          <p:cNvSpPr txBox="1">
+            <a:spLocks noGrp="1"/>
+          </p:cNvSpPr>
           <p:nvPr>
             <p:ph type="body" sz="quarter" idx="1"/>
           </p:nvPr>
@@ -2258,7 +2306,7 @@
         </p:spPr>
         <p:txBody>
           <a:bodyPr lIns="91424" tIns="91424" rIns="91424" bIns="91424">
-            <a:normAutofit fontScale="100000" lnSpcReduction="0"/>
+            <a:normAutofit/>
           </a:bodyPr>
           <a:lstStyle>
             <a:lvl1pPr>
@@ -2298,7 +2346,6 @@
             </a:lvl5pPr>
           </a:lstStyle>
           <a:p>
-            <a:pPr/>
             <a:r>
               <a:t>Body Level One</a:t>
             </a:r>
@@ -2332,7 +2379,9 @@
       <p:sp>
         <p:nvSpPr>
           <p:cNvPr id="167" name="Title Text"/>
-          <p:cNvSpPr txBox="1"/>
+          <p:cNvSpPr txBox="1">
+            <a:spLocks noGrp="1"/>
+          </p:cNvSpPr>
           <p:nvPr>
             <p:ph type="title"/>
           </p:nvPr>
@@ -2348,11 +2397,11 @@
         </p:spPr>
         <p:txBody>
           <a:bodyPr lIns="91424" tIns="91424" rIns="91424" bIns="91424">
-            <a:normAutofit fontScale="100000" lnSpcReduction="0"/>
+            <a:normAutofit/>
           </a:bodyPr>
           <a:lstStyle>
             <a:lvl1pPr>
-              <a:defRPr b="1" sz="2800">
+              <a:defRPr sz="2800" b="1">
                 <a:solidFill>
                   <a:schemeClr val="accent1"/>
                 </a:solidFill>
@@ -2360,7 +2409,6 @@
             </a:lvl1pPr>
           </a:lstStyle>
           <a:p>
-            <a:pPr/>
             <a:r>
               <a:t>Title Text</a:t>
             </a:r>
@@ -2370,7 +2418,9 @@
       <p:sp>
         <p:nvSpPr>
           <p:cNvPr id="168" name="Shape 108"/>
-          <p:cNvSpPr txBox="1"/>
+          <p:cNvSpPr txBox="1">
+            <a:spLocks noGrp="1"/>
+          </p:cNvSpPr>
           <p:nvPr>
             <p:ph type="body" sz="half" idx="13"/>
           </p:nvPr>
@@ -2386,7 +2436,7 @@
         </p:spPr>
         <p:txBody>
           <a:bodyPr lIns="91424" tIns="91424" rIns="91424" bIns="91424">
-            <a:normAutofit fontScale="100000" lnSpcReduction="0"/>
+            <a:normAutofit/>
           </a:bodyPr>
           <a:lstStyle/>
           <a:p>
@@ -2402,13 +2452,16 @@
                 </a:solidFill>
               </a:defRPr>
             </a:pPr>
+            <a:endParaRPr/>
           </a:p>
         </p:txBody>
       </p:sp>
       <p:sp>
         <p:nvSpPr>
           <p:cNvPr id="169" name="Shape 111"/>
-          <p:cNvSpPr txBox="1"/>
+          <p:cNvSpPr txBox="1">
+            <a:spLocks noGrp="1"/>
+          </p:cNvSpPr>
           <p:nvPr>
             <p:ph type="body" sz="half" idx="14"/>
           </p:nvPr>
@@ -2424,7 +2477,7 @@
         </p:spPr>
         <p:txBody>
           <a:bodyPr lIns="91424" tIns="91424" rIns="91424" bIns="91424">
-            <a:normAutofit fontScale="100000" lnSpcReduction="0"/>
+            <a:normAutofit/>
           </a:bodyPr>
           <a:lstStyle/>
           <a:p>
@@ -2440,13 +2493,16 @@
                 </a:solidFill>
               </a:defRPr>
             </a:pPr>
+            <a:endParaRPr/>
           </a:p>
         </p:txBody>
       </p:sp>
       <p:sp>
         <p:nvSpPr>
           <p:cNvPr id="170" name="Slide Number"/>
-          <p:cNvSpPr txBox="1"/>
+          <p:cNvSpPr txBox="1">
+            <a:spLocks noGrp="1"/>
+          </p:cNvSpPr>
           <p:nvPr>
             <p:ph type="sldNum" sz="quarter" idx="2"/>
           </p:nvPr>
@@ -2460,8 +2516,10 @@
           <a:bodyPr/>
           <a:lstStyle/>
           <a:p>
-            <a:pPr/>
-            <a:fld id="{86CB4B4D-7CA3-9044-876B-883B54F8677D}" type="slidenum"/>
+            <a:fld id="{86CB4B4D-7CA3-9044-876B-883B54F8677D}" type="slidenum">
+              <a:t>‹#›</a:t>
+            </a:fld>
+            <a:endParaRPr/>
           </a:p>
         </p:txBody>
       </p:sp>
@@ -2470,12 +2528,12 @@
   <p:clrMapOvr>
     <a:masterClrMapping/>
   </p:clrMapOvr>
-  <p:transition xmlns:p14="http://schemas.microsoft.com/office/powerpoint/2010/main" spd="med" advClick="1"/>
+  <p:transition xmlns:p14="http://schemas.microsoft.com/office/powerpoint/2010/main" spd="med"/>
 </p:sldLayout>
 </file>
 
 <file path=ppt/slideLayouts/slideLayout15.xml><?xml version="1.0" encoding="utf-8"?>
-<p:sldLayout xmlns:a="http://schemas.openxmlformats.org/drawingml/2006/main" xmlns:r="http://schemas.openxmlformats.org/officeDocument/2006/relationships" xmlns:p="http://schemas.openxmlformats.org/presentationml/2006/main" xmlns:m="http://schemas.openxmlformats.org/officeDocument/2006/math" xmlns:a14="http://schemas.microsoft.com/office/drawing/2010/main" type="tx" showMasterSp="0" showMasterPhAnim="1">
+<p:sldLayout xmlns:a="http://schemas.openxmlformats.org/drawingml/2006/main" xmlns:r="http://schemas.openxmlformats.org/officeDocument/2006/relationships" xmlns:p="http://schemas.openxmlformats.org/presentationml/2006/main" showMasterSp="0" type="tx">
   <p:cSld name="End Slide_Visual">
     <p:spTree>
       <p:nvGrpSpPr>
@@ -2523,6 +2581,7 @@
                 </a:solidFill>
               </a:defRPr>
             </a:pPr>
+            <a:endParaRPr/>
           </a:p>
         </p:txBody>
       </p:sp>
@@ -2558,7 +2617,9 @@
       <p:sp>
         <p:nvSpPr>
           <p:cNvPr id="179" name="Title Text"/>
-          <p:cNvSpPr txBox="1"/>
+          <p:cNvSpPr txBox="1">
+            <a:spLocks noGrp="1"/>
+          </p:cNvSpPr>
           <p:nvPr>
             <p:ph type="title"/>
           </p:nvPr>
@@ -2574,7 +2635,7 @@
         </p:spPr>
         <p:txBody>
           <a:bodyPr lIns="91424" tIns="91424" rIns="91424" bIns="91424">
-            <a:normAutofit fontScale="100000" lnSpcReduction="0"/>
+            <a:normAutofit/>
           </a:bodyPr>
           <a:lstStyle>
             <a:lvl1pPr algn="ctr">
@@ -2586,7 +2647,6 @@
             </a:lvl1pPr>
           </a:lstStyle>
           <a:p>
-            <a:pPr/>
             <a:r>
               <a:t>Title Text</a:t>
             </a:r>
@@ -2636,7 +2696,7 @@
             </a:bodyPr>
             <a:lstStyle/>
             <a:p>
-              <a:pPr/>
+              <a:endParaRPr/>
             </a:p>
           </p:txBody>
         </p:sp>
@@ -2680,7 +2740,6 @@
               </a:lvl1pPr>
             </a:lstStyle>
             <a:p>
-              <a:pPr/>
               <a:r>
                 <a:t>background image:  960x540 pixels - send to back of slide and set to 80% transparency</a:t>
               </a:r>
@@ -2691,7 +2750,9 @@
       <p:sp>
         <p:nvSpPr>
           <p:cNvPr id="183" name="Slide Number"/>
-          <p:cNvSpPr txBox="1"/>
+          <p:cNvSpPr txBox="1">
+            <a:spLocks noGrp="1"/>
+          </p:cNvSpPr>
           <p:nvPr>
             <p:ph type="sldNum" sz="quarter" idx="2"/>
           </p:nvPr>
@@ -2705,8 +2766,10 @@
           <a:bodyPr/>
           <a:lstStyle/>
           <a:p>
-            <a:pPr/>
-            <a:fld id="{86CB4B4D-7CA3-9044-876B-883B54F8677D}" type="slidenum"/>
+            <a:fld id="{86CB4B4D-7CA3-9044-876B-883B54F8677D}" type="slidenum">
+              <a:t>‹#›</a:t>
+            </a:fld>
+            <a:endParaRPr/>
           </a:p>
         </p:txBody>
       </p:sp>
@@ -2715,12 +2778,12 @@
   <p:clrMapOvr>
     <a:masterClrMapping/>
   </p:clrMapOvr>
-  <p:transition xmlns:p14="http://schemas.microsoft.com/office/powerpoint/2010/main" spd="med" advClick="1"/>
+  <p:transition xmlns:p14="http://schemas.microsoft.com/office/powerpoint/2010/main" spd="med"/>
 </p:sldLayout>
 </file>
 
 <file path=ppt/slideLayouts/slideLayout16.xml><?xml version="1.0" encoding="utf-8"?>
-<p:sldLayout xmlns:a="http://schemas.openxmlformats.org/drawingml/2006/main" xmlns:r="http://schemas.openxmlformats.org/officeDocument/2006/relationships" xmlns:p="http://schemas.openxmlformats.org/presentationml/2006/main" xmlns:m="http://schemas.openxmlformats.org/officeDocument/2006/math" xmlns:a14="http://schemas.microsoft.com/office/drawing/2010/main" type="tx" showMasterSp="0" showMasterPhAnim="1">
+<p:sldLayout xmlns:a="http://schemas.openxmlformats.org/drawingml/2006/main" xmlns:r="http://schemas.openxmlformats.org/officeDocument/2006/relationships" xmlns:p="http://schemas.openxmlformats.org/presentationml/2006/main" showMasterSp="0" type="tx">
   <p:cSld name="End Slide_Graphic">
     <p:spTree>
       <p:nvGrpSpPr>
@@ -2768,6 +2831,7 @@
                 </a:solidFill>
               </a:defRPr>
             </a:pPr>
+            <a:endParaRPr/>
           </a:p>
         </p:txBody>
       </p:sp>
@@ -2803,7 +2867,9 @@
       <p:sp>
         <p:nvSpPr>
           <p:cNvPr id="192" name="Slide Number"/>
-          <p:cNvSpPr txBox="1"/>
+          <p:cNvSpPr txBox="1">
+            <a:spLocks noGrp="1"/>
+          </p:cNvSpPr>
           <p:nvPr>
             <p:ph type="sldNum" sz="quarter" idx="2"/>
           </p:nvPr>
@@ -2817,8 +2883,10 @@
           <a:bodyPr/>
           <a:lstStyle/>
           <a:p>
-            <a:pPr/>
-            <a:fld id="{86CB4B4D-7CA3-9044-876B-883B54F8677D}" type="slidenum"/>
+            <a:fld id="{86CB4B4D-7CA3-9044-876B-883B54F8677D}" type="slidenum">
+              <a:t>‹#›</a:t>
+            </a:fld>
+            <a:endParaRPr/>
           </a:p>
         </p:txBody>
       </p:sp>
@@ -2827,12 +2895,12 @@
   <p:clrMapOvr>
     <a:masterClrMapping/>
   </p:clrMapOvr>
-  <p:transition xmlns:p14="http://schemas.microsoft.com/office/powerpoint/2010/main" spd="med" advClick="1"/>
+  <p:transition xmlns:p14="http://schemas.microsoft.com/office/powerpoint/2010/main" spd="med"/>
 </p:sldLayout>
 </file>
 
 <file path=ppt/slideLayouts/slideLayout17.xml><?xml version="1.0" encoding="utf-8"?>
-<p:sldLayout xmlns:a="http://schemas.openxmlformats.org/drawingml/2006/main" xmlns:r="http://schemas.openxmlformats.org/officeDocument/2006/relationships" xmlns:p="http://schemas.openxmlformats.org/presentationml/2006/main" xmlns:m="http://schemas.openxmlformats.org/officeDocument/2006/math" xmlns:a14="http://schemas.microsoft.com/office/drawing/2010/main" type="tx" showMasterSp="0" showMasterPhAnim="1">
+<p:sldLayout xmlns:a="http://schemas.openxmlformats.org/drawingml/2006/main" xmlns:r="http://schemas.openxmlformats.org/officeDocument/2006/relationships" xmlns:p="http://schemas.openxmlformats.org/presentationml/2006/main" showMasterSp="0" type="tx">
   <p:cSld name="Title Only">
     <p:spTree>
       <p:nvGrpSpPr>
@@ -2851,7 +2919,9 @@
       <p:sp>
         <p:nvSpPr>
           <p:cNvPr id="199" name="Title Text"/>
-          <p:cNvSpPr txBox="1"/>
+          <p:cNvSpPr txBox="1">
+            <a:spLocks noGrp="1"/>
+          </p:cNvSpPr>
           <p:nvPr>
             <p:ph type="title"/>
           </p:nvPr>
@@ -2867,11 +2937,11 @@
         </p:spPr>
         <p:txBody>
           <a:bodyPr lIns="91424" tIns="91424" rIns="91424" bIns="91424">
-            <a:normAutofit fontScale="100000" lnSpcReduction="0"/>
+            <a:normAutofit/>
           </a:bodyPr>
           <a:lstStyle>
             <a:lvl1pPr>
-              <a:defRPr b="1" sz="2200">
+              <a:defRPr sz="2200" b="1">
                 <a:solidFill>
                   <a:srgbClr val="003D79"/>
                 </a:solidFill>
@@ -2879,7 +2949,6 @@
             </a:lvl1pPr>
           </a:lstStyle>
           <a:p>
-            <a:pPr/>
             <a:r>
               <a:t>Title Text</a:t>
             </a:r>
@@ -2889,7 +2958,9 @@
       <p:sp>
         <p:nvSpPr>
           <p:cNvPr id="200" name="Slide Number"/>
-          <p:cNvSpPr txBox="1"/>
+          <p:cNvSpPr txBox="1">
+            <a:spLocks noGrp="1"/>
+          </p:cNvSpPr>
           <p:nvPr>
             <p:ph type="sldNum" sz="quarter" idx="2"/>
           </p:nvPr>
@@ -2915,8 +2986,10 @@
             </a:lvl1pPr>
           </a:lstStyle>
           <a:p>
-            <a:pPr/>
-            <a:fld id="{86CB4B4D-7CA3-9044-876B-883B54F8677D}" type="slidenum"/>
+            <a:fld id="{86CB4B4D-7CA3-9044-876B-883B54F8677D}" type="slidenum">
+              <a:t>‹#›</a:t>
+            </a:fld>
+            <a:endParaRPr/>
           </a:p>
         </p:txBody>
       </p:sp>
@@ -2925,12 +2998,12 @@
   <p:clrMapOvr>
     <a:masterClrMapping/>
   </p:clrMapOvr>
-  <p:transition xmlns:p14="http://schemas.microsoft.com/office/powerpoint/2010/main" spd="med" advClick="1"/>
+  <p:transition xmlns:p14="http://schemas.microsoft.com/office/powerpoint/2010/main" spd="med"/>
 </p:sldLayout>
 </file>
 
 <file path=ppt/slideLayouts/slideLayout18.xml><?xml version="1.0" encoding="utf-8"?>
-<p:sldLayout xmlns:a="http://schemas.openxmlformats.org/drawingml/2006/main" xmlns:r="http://schemas.openxmlformats.org/officeDocument/2006/relationships" xmlns:p="http://schemas.openxmlformats.org/presentationml/2006/main" xmlns:m="http://schemas.openxmlformats.org/officeDocument/2006/math" xmlns:a14="http://schemas.microsoft.com/office/drawing/2010/main" type="tx" showMasterSp="0" showMasterPhAnim="1">
+<p:sldLayout xmlns:a="http://schemas.openxmlformats.org/drawingml/2006/main" xmlns:r="http://schemas.openxmlformats.org/officeDocument/2006/relationships" xmlns:p="http://schemas.openxmlformats.org/presentationml/2006/main" showMasterSp="0" type="tx">
   <p:cSld name="Title &amp; Bullets">
     <p:spTree>
       <p:nvGrpSpPr>
@@ -2949,7 +3022,9 @@
       <p:sp>
         <p:nvSpPr>
           <p:cNvPr id="207" name="Title Text"/>
-          <p:cNvSpPr txBox="1"/>
+          <p:cNvSpPr txBox="1">
+            <a:spLocks noGrp="1"/>
+          </p:cNvSpPr>
           <p:nvPr>
             <p:ph type="title"/>
           </p:nvPr>
@@ -2965,7 +3040,7 @@
         </p:spPr>
         <p:txBody>
           <a:bodyPr lIns="28698" tIns="28698" rIns="28698" bIns="28698" anchor="t">
-            <a:normAutofit fontScale="100000" lnSpcReduction="0"/>
+            <a:normAutofit/>
           </a:bodyPr>
           <a:lstStyle>
             <a:lvl1pPr>
@@ -2974,7 +3049,7 @@
                   <a:srgbClr val="FFFFFF"/>
                 </a:solidFill>
                 <a:effectLst>
-                  <a:outerShdw sx="100000" sy="100000" kx="0" ky="0" algn="b" rotWithShape="0" blurRad="50800" dist="38100" dir="5400000">
+                  <a:outerShdw blurRad="50800" dist="38100" dir="5400000" rotWithShape="0">
                     <a:srgbClr val="000000"/>
                   </a:outerShdw>
                 </a:effectLst>
@@ -2982,7 +3057,6 @@
             </a:lvl1pPr>
           </a:lstStyle>
           <a:p>
-            <a:pPr/>
             <a:r>
               <a:t>Title Text</a:t>
             </a:r>
@@ -2992,7 +3066,9 @@
       <p:sp>
         <p:nvSpPr>
           <p:cNvPr id="208" name="Body Level One…"/>
-          <p:cNvSpPr txBox="1"/>
+          <p:cNvSpPr txBox="1">
+            <a:spLocks noGrp="1"/>
+          </p:cNvSpPr>
           <p:nvPr>
             <p:ph type="body" sz="half" idx="1"/>
           </p:nvPr>
@@ -3008,7 +3084,7 @@
         </p:spPr>
         <p:txBody>
           <a:bodyPr lIns="28698" tIns="28698" rIns="28698" bIns="28698">
-            <a:normAutofit fontScale="100000" lnSpcReduction="0"/>
+            <a:normAutofit/>
           </a:bodyPr>
           <a:lstStyle>
             <a:lvl1pPr>
@@ -3021,7 +3097,7 @@
                   <a:srgbClr val="FFFFFF"/>
                 </a:solidFill>
                 <a:effectLst>
-                  <a:outerShdw sx="100000" sy="100000" kx="0" ky="0" algn="b" rotWithShape="0" blurRad="50800" dist="38100" dir="5400000">
+                  <a:outerShdw blurRad="50800" dist="38100" dir="5400000" rotWithShape="0">
                     <a:srgbClr val="000000"/>
                   </a:outerShdw>
                 </a:effectLst>
@@ -3037,7 +3113,7 @@
                   <a:srgbClr val="FFFFFF"/>
                 </a:solidFill>
                 <a:effectLst>
-                  <a:outerShdw sx="100000" sy="100000" kx="0" ky="0" algn="b" rotWithShape="0" blurRad="50800" dist="38100" dir="5400000">
+                  <a:outerShdw blurRad="50800" dist="38100" dir="5400000" rotWithShape="0">
                     <a:srgbClr val="000000"/>
                   </a:outerShdw>
                 </a:effectLst>
@@ -3053,7 +3129,7 @@
                   <a:srgbClr val="FFFFFF"/>
                 </a:solidFill>
                 <a:effectLst>
-                  <a:outerShdw sx="100000" sy="100000" kx="0" ky="0" algn="b" rotWithShape="0" blurRad="50800" dist="38100" dir="5400000">
+                  <a:outerShdw blurRad="50800" dist="38100" dir="5400000" rotWithShape="0">
                     <a:srgbClr val="000000"/>
                   </a:outerShdw>
                 </a:effectLst>
@@ -3069,7 +3145,7 @@
                   <a:srgbClr val="FFFFFF"/>
                 </a:solidFill>
                 <a:effectLst>
-                  <a:outerShdw sx="100000" sy="100000" kx="0" ky="0" algn="b" rotWithShape="0" blurRad="50800" dist="38100" dir="5400000">
+                  <a:outerShdw blurRad="50800" dist="38100" dir="5400000" rotWithShape="0">
                     <a:srgbClr val="000000"/>
                   </a:outerShdw>
                 </a:effectLst>
@@ -3085,7 +3161,7 @@
                   <a:srgbClr val="FFFFFF"/>
                 </a:solidFill>
                 <a:effectLst>
-                  <a:outerShdw sx="100000" sy="100000" kx="0" ky="0" algn="b" rotWithShape="0" blurRad="50800" dist="38100" dir="5400000">
+                  <a:outerShdw blurRad="50800" dist="38100" dir="5400000" rotWithShape="0">
                     <a:srgbClr val="000000"/>
                   </a:outerShdw>
                 </a:effectLst>
@@ -3093,7 +3169,6 @@
             </a:lvl5pPr>
           </a:lstStyle>
           <a:p>
-            <a:pPr/>
             <a:r>
               <a:t>Body Level One</a:t>
             </a:r>
@@ -3127,7 +3202,9 @@
       <p:sp>
         <p:nvSpPr>
           <p:cNvPr id="209" name="Slide Number"/>
-          <p:cNvSpPr txBox="1"/>
+          <p:cNvSpPr txBox="1">
+            <a:spLocks noGrp="1"/>
+          </p:cNvSpPr>
           <p:nvPr>
             <p:ph type="sldNum" sz="quarter" idx="2"/>
           </p:nvPr>
@@ -3153,8 +3230,10 @@
             </a:lvl1pPr>
           </a:lstStyle>
           <a:p>
-            <a:pPr/>
-            <a:fld id="{86CB4B4D-7CA3-9044-876B-883B54F8677D}" type="slidenum"/>
+            <a:fld id="{86CB4B4D-7CA3-9044-876B-883B54F8677D}" type="slidenum">
+              <a:t>‹#›</a:t>
+            </a:fld>
+            <a:endParaRPr/>
           </a:p>
         </p:txBody>
       </p:sp>
@@ -3163,12 +3242,12 @@
   <p:clrMapOvr>
     <a:masterClrMapping/>
   </p:clrMapOvr>
-  <p:transition xmlns:p14="http://schemas.microsoft.com/office/powerpoint/2010/main" spd="med" advClick="1"/>
+  <p:transition xmlns:p14="http://schemas.microsoft.com/office/powerpoint/2010/main" spd="med"/>
 </p:sldLayout>
 </file>
 
 <file path=ppt/slideLayouts/slideLayout2.xml><?xml version="1.0" encoding="utf-8"?>
-<p:sldLayout xmlns:a="http://schemas.openxmlformats.org/drawingml/2006/main" xmlns:r="http://schemas.openxmlformats.org/officeDocument/2006/relationships" xmlns:p="http://schemas.openxmlformats.org/presentationml/2006/main" xmlns:m="http://schemas.openxmlformats.org/officeDocument/2006/math" xmlns:a14="http://schemas.microsoft.com/office/drawing/2010/main" type="tx" showMasterSp="1" showMasterPhAnim="1">
+<p:sldLayout xmlns:a="http://schemas.openxmlformats.org/drawingml/2006/main" xmlns:r="http://schemas.openxmlformats.org/officeDocument/2006/relationships" xmlns:p="http://schemas.openxmlformats.org/presentationml/2006/main" type="tx">
   <p:cSld name="Section Title Slide">
     <p:spTree>
       <p:nvGrpSpPr>
@@ -3187,7 +3266,9 @@
       <p:sp>
         <p:nvSpPr>
           <p:cNvPr id="27" name="Title Text"/>
-          <p:cNvSpPr txBox="1"/>
+          <p:cNvSpPr txBox="1">
+            <a:spLocks noGrp="1"/>
+          </p:cNvSpPr>
           <p:nvPr>
             <p:ph type="title"/>
           </p:nvPr>
@@ -3203,11 +3284,11 @@
         </p:spPr>
         <p:txBody>
           <a:bodyPr lIns="91424" tIns="91424" rIns="91424" bIns="91424">
-            <a:normAutofit fontScale="100000" lnSpcReduction="0"/>
+            <a:normAutofit/>
           </a:bodyPr>
           <a:lstStyle>
             <a:lvl1pPr>
-              <a:defRPr b="1" sz="3600">
+              <a:defRPr sz="3600" b="1">
                 <a:solidFill>
                   <a:schemeClr val="accent1"/>
                 </a:solidFill>
@@ -3215,7 +3296,6 @@
             </a:lvl1pPr>
           </a:lstStyle>
           <a:p>
-            <a:pPr/>
             <a:r>
               <a:t>Title Text</a:t>
             </a:r>
@@ -3225,7 +3305,9 @@
       <p:sp>
         <p:nvSpPr>
           <p:cNvPr id="28" name="Body Level One…"/>
-          <p:cNvSpPr txBox="1"/>
+          <p:cNvSpPr txBox="1">
+            <a:spLocks noGrp="1"/>
+          </p:cNvSpPr>
           <p:nvPr>
             <p:ph type="body" sz="quarter" idx="1"/>
           </p:nvPr>
@@ -3241,7 +3323,7 @@
         </p:spPr>
         <p:txBody>
           <a:bodyPr lIns="91424" tIns="91424" rIns="91424" bIns="91424" anchor="ctr">
-            <a:normAutofit fontScale="100000" lnSpcReduction="0"/>
+            <a:normAutofit/>
           </a:bodyPr>
           <a:lstStyle>
             <a:lvl1pPr>
@@ -3281,7 +3363,6 @@
             </a:lvl5pPr>
           </a:lstStyle>
           <a:p>
-            <a:pPr/>
             <a:r>
               <a:t>Body Level One</a:t>
             </a:r>
@@ -3315,7 +3396,9 @@
       <p:sp>
         <p:nvSpPr>
           <p:cNvPr id="29" name="Slide Number"/>
-          <p:cNvSpPr txBox="1"/>
+          <p:cNvSpPr txBox="1">
+            <a:spLocks noGrp="1"/>
+          </p:cNvSpPr>
           <p:nvPr>
             <p:ph type="sldNum" sz="quarter" idx="2"/>
           </p:nvPr>
@@ -3329,8 +3412,10 @@
           <a:bodyPr/>
           <a:lstStyle/>
           <a:p>
-            <a:pPr/>
-            <a:fld id="{86CB4B4D-7CA3-9044-876B-883B54F8677D}" type="slidenum"/>
+            <a:fld id="{86CB4B4D-7CA3-9044-876B-883B54F8677D}" type="slidenum">
+              <a:t>‹#›</a:t>
+            </a:fld>
+            <a:endParaRPr/>
           </a:p>
         </p:txBody>
       </p:sp>
@@ -3339,12 +3424,12 @@
   <p:clrMapOvr>
     <a:masterClrMapping/>
   </p:clrMapOvr>
-  <p:transition xmlns:p14="http://schemas.microsoft.com/office/powerpoint/2010/main" spd="med" advClick="1"/>
+  <p:transition xmlns:p14="http://schemas.microsoft.com/office/powerpoint/2010/main" spd="med"/>
 </p:sldLayout>
 </file>
 
 <file path=ppt/slideLayouts/slideLayout3.xml><?xml version="1.0" encoding="utf-8"?>
-<p:sldLayout xmlns:a="http://schemas.openxmlformats.org/drawingml/2006/main" xmlns:r="http://schemas.openxmlformats.org/officeDocument/2006/relationships" xmlns:p="http://schemas.openxmlformats.org/presentationml/2006/main" xmlns:m="http://schemas.openxmlformats.org/officeDocument/2006/math" xmlns:a14="http://schemas.microsoft.com/office/drawing/2010/main" type="tx" showMasterSp="1" showMasterPhAnim="1">
+<p:sldLayout xmlns:a="http://schemas.openxmlformats.org/drawingml/2006/main" xmlns:r="http://schemas.openxmlformats.org/officeDocument/2006/relationships" xmlns:p="http://schemas.openxmlformats.org/presentationml/2006/main" type="tx">
   <p:cSld name=" Blank logo">
     <p:spTree>
       <p:nvGrpSpPr>
@@ -3363,7 +3448,9 @@
       <p:sp>
         <p:nvSpPr>
           <p:cNvPr id="36" name="Slide Number"/>
-          <p:cNvSpPr txBox="1"/>
+          <p:cNvSpPr txBox="1">
+            <a:spLocks noGrp="1"/>
+          </p:cNvSpPr>
           <p:nvPr>
             <p:ph type="sldNum" sz="quarter" idx="2"/>
           </p:nvPr>
@@ -3377,8 +3464,10 @@
           <a:bodyPr/>
           <a:lstStyle/>
           <a:p>
-            <a:pPr/>
-            <a:fld id="{86CB4B4D-7CA3-9044-876B-883B54F8677D}" type="slidenum"/>
+            <a:fld id="{86CB4B4D-7CA3-9044-876B-883B54F8677D}" type="slidenum">
+              <a:t>‹#›</a:t>
+            </a:fld>
+            <a:endParaRPr/>
           </a:p>
         </p:txBody>
       </p:sp>
@@ -3387,12 +3476,12 @@
   <p:clrMapOvr>
     <a:masterClrMapping/>
   </p:clrMapOvr>
-  <p:transition xmlns:p14="http://schemas.microsoft.com/office/powerpoint/2010/main" spd="med" advClick="1"/>
+  <p:transition xmlns:p14="http://schemas.microsoft.com/office/powerpoint/2010/main" spd="med"/>
 </p:sldLayout>
 </file>
 
 <file path=ppt/slideLayouts/slideLayout4.xml><?xml version="1.0" encoding="utf-8"?>
-<p:sldLayout xmlns:a="http://schemas.openxmlformats.org/drawingml/2006/main" xmlns:r="http://schemas.openxmlformats.org/officeDocument/2006/relationships" xmlns:p="http://schemas.openxmlformats.org/presentationml/2006/main" xmlns:m="http://schemas.openxmlformats.org/officeDocument/2006/math" xmlns:a14="http://schemas.microsoft.com/office/drawing/2010/main" type="tx" showMasterSp="0" showMasterPhAnim="1">
+<p:sldLayout xmlns:a="http://schemas.openxmlformats.org/drawingml/2006/main" xmlns:r="http://schemas.openxmlformats.org/officeDocument/2006/relationships" xmlns:p="http://schemas.openxmlformats.org/presentationml/2006/main" showMasterSp="0" type="tx">
   <p:cSld name="Agenda Slide">
     <p:spTree>
       <p:nvGrpSpPr>
@@ -3440,13 +3529,16 @@
                 </a:solidFill>
               </a:defRPr>
             </a:pPr>
+            <a:endParaRPr/>
           </a:p>
         </p:txBody>
       </p:sp>
       <p:sp>
         <p:nvSpPr>
           <p:cNvPr id="44" name="Title Text"/>
-          <p:cNvSpPr txBox="1"/>
+          <p:cNvSpPr txBox="1">
+            <a:spLocks noGrp="1"/>
+          </p:cNvSpPr>
           <p:nvPr>
             <p:ph type="title"/>
           </p:nvPr>
@@ -3462,11 +3554,11 @@
         </p:spPr>
         <p:txBody>
           <a:bodyPr lIns="91424" tIns="91424" rIns="91424" bIns="91424">
-            <a:normAutofit fontScale="100000" lnSpcReduction="0"/>
+            <a:normAutofit/>
           </a:bodyPr>
           <a:lstStyle>
             <a:lvl1pPr>
-              <a:defRPr b="1" sz="2800">
+              <a:defRPr sz="2800" b="1">
                 <a:solidFill>
                   <a:srgbClr val="FFFFFF"/>
                 </a:solidFill>
@@ -3474,7 +3566,6 @@
             </a:lvl1pPr>
           </a:lstStyle>
           <a:p>
-            <a:pPr/>
             <a:r>
               <a:t>Title Text</a:t>
             </a:r>
@@ -3553,7 +3644,7 @@
             </a:bodyPr>
             <a:lstStyle/>
             <a:p>
-              <a:pPr/>
+              <a:endParaRPr/>
             </a:p>
           </p:txBody>
         </p:sp>
@@ -3597,7 +3688,6 @@
               </a:lvl1pPr>
             </a:lstStyle>
             <a:p>
-              <a:pPr/>
               <a:r>
                 <a:t>background image:  960x540 pixels - send to back of slide and set to 80% transparency</a:t>
               </a:r>
@@ -3608,7 +3698,9 @@
       <p:sp>
         <p:nvSpPr>
           <p:cNvPr id="49" name="Slide Number"/>
-          <p:cNvSpPr txBox="1"/>
+          <p:cNvSpPr txBox="1">
+            <a:spLocks noGrp="1"/>
+          </p:cNvSpPr>
           <p:nvPr>
             <p:ph type="sldNum" sz="quarter" idx="2"/>
           </p:nvPr>
@@ -3622,8 +3714,10 @@
           <a:bodyPr/>
           <a:lstStyle/>
           <a:p>
-            <a:pPr/>
-            <a:fld id="{86CB4B4D-7CA3-9044-876B-883B54F8677D}" type="slidenum"/>
+            <a:fld id="{86CB4B4D-7CA3-9044-876B-883B54F8677D}" type="slidenum">
+              <a:t>‹#›</a:t>
+            </a:fld>
+            <a:endParaRPr/>
           </a:p>
         </p:txBody>
       </p:sp>
@@ -3632,12 +3726,12 @@
   <p:clrMapOvr>
     <a:masterClrMapping/>
   </p:clrMapOvr>
-  <p:transition xmlns:p14="http://schemas.microsoft.com/office/powerpoint/2010/main" spd="med" advClick="1"/>
+  <p:transition xmlns:p14="http://schemas.microsoft.com/office/powerpoint/2010/main" spd="med"/>
 </p:sldLayout>
 </file>
 
 <file path=ppt/slideLayouts/slideLayout5.xml><?xml version="1.0" encoding="utf-8"?>
-<p:sldLayout xmlns:a="http://schemas.openxmlformats.org/drawingml/2006/main" xmlns:r="http://schemas.openxmlformats.org/officeDocument/2006/relationships" xmlns:p="http://schemas.openxmlformats.org/presentationml/2006/main" xmlns:m="http://schemas.openxmlformats.org/officeDocument/2006/math" xmlns:a14="http://schemas.microsoft.com/office/drawing/2010/main" type="tx" showMasterSp="1" showMasterPhAnim="1">
+<p:sldLayout xmlns:a="http://schemas.openxmlformats.org/drawingml/2006/main" xmlns:r="http://schemas.openxmlformats.org/officeDocument/2006/relationships" xmlns:p="http://schemas.openxmlformats.org/presentationml/2006/main" type="tx">
   <p:cSld name="Main Page">
     <p:spTree>
       <p:nvGrpSpPr>
@@ -3656,7 +3750,9 @@
       <p:sp>
         <p:nvSpPr>
           <p:cNvPr id="56" name="Body Level One…"/>
-          <p:cNvSpPr txBox="1"/>
+          <p:cNvSpPr txBox="1">
+            <a:spLocks noGrp="1"/>
+          </p:cNvSpPr>
           <p:nvPr>
             <p:ph type="body" sz="quarter" idx="1"/>
           </p:nvPr>
@@ -3672,7 +3768,7 @@
         </p:spPr>
         <p:txBody>
           <a:bodyPr lIns="91424" tIns="91424" rIns="91424" bIns="91424">
-            <a:normAutofit fontScale="100000" lnSpcReduction="0"/>
+            <a:normAutofit/>
           </a:bodyPr>
           <a:lstStyle>
             <a:lvl1pPr>
@@ -3712,7 +3808,6 @@
             </a:lvl5pPr>
           </a:lstStyle>
           <a:p>
-            <a:pPr/>
             <a:r>
               <a:t>Body Level One</a:t>
             </a:r>
@@ -3746,7 +3841,9 @@
       <p:sp>
         <p:nvSpPr>
           <p:cNvPr id="57" name="Title Text"/>
-          <p:cNvSpPr txBox="1"/>
+          <p:cNvSpPr txBox="1">
+            <a:spLocks noGrp="1"/>
+          </p:cNvSpPr>
           <p:nvPr>
             <p:ph type="title"/>
           </p:nvPr>
@@ -3762,11 +3859,11 @@
         </p:spPr>
         <p:txBody>
           <a:bodyPr lIns="91424" tIns="91424" rIns="91424" bIns="91424">
-            <a:normAutofit fontScale="100000" lnSpcReduction="0"/>
+            <a:normAutofit/>
           </a:bodyPr>
           <a:lstStyle>
             <a:lvl1pPr>
-              <a:defRPr b="1" sz="2800">
+              <a:defRPr sz="2800" b="1">
                 <a:solidFill>
                   <a:schemeClr val="accent1"/>
                 </a:solidFill>
@@ -3774,7 +3871,6 @@
             </a:lvl1pPr>
           </a:lstStyle>
           <a:p>
-            <a:pPr/>
             <a:r>
               <a:t>Title Text</a:t>
             </a:r>
@@ -3784,7 +3880,9 @@
       <p:sp>
         <p:nvSpPr>
           <p:cNvPr id="58" name="Shape 35"/>
-          <p:cNvSpPr txBox="1"/>
+          <p:cNvSpPr txBox="1">
+            <a:spLocks noGrp="1"/>
+          </p:cNvSpPr>
           <p:nvPr>
             <p:ph type="body" idx="13"/>
           </p:nvPr>
@@ -3800,7 +3898,7 @@
         </p:spPr>
         <p:txBody>
           <a:bodyPr lIns="91424" tIns="91424" rIns="91424" bIns="91424">
-            <a:normAutofit fontScale="100000" lnSpcReduction="0"/>
+            <a:normAutofit/>
           </a:bodyPr>
           <a:lstStyle/>
           <a:p>
@@ -3816,13 +3914,16 @@
                 </a:solidFill>
               </a:defRPr>
             </a:pPr>
+            <a:endParaRPr/>
           </a:p>
         </p:txBody>
       </p:sp>
       <p:sp>
         <p:nvSpPr>
           <p:cNvPr id="59" name="Slide Number"/>
-          <p:cNvSpPr txBox="1"/>
+          <p:cNvSpPr txBox="1">
+            <a:spLocks noGrp="1"/>
+          </p:cNvSpPr>
           <p:nvPr>
             <p:ph type="sldNum" sz="quarter" idx="2"/>
           </p:nvPr>
@@ -3836,8 +3937,10 @@
           <a:bodyPr/>
           <a:lstStyle/>
           <a:p>
-            <a:pPr/>
-            <a:fld id="{86CB4B4D-7CA3-9044-876B-883B54F8677D}" type="slidenum"/>
+            <a:fld id="{86CB4B4D-7CA3-9044-876B-883B54F8677D}" type="slidenum">
+              <a:t>‹#›</a:t>
+            </a:fld>
+            <a:endParaRPr/>
           </a:p>
         </p:txBody>
       </p:sp>
@@ -3846,12 +3949,12 @@
   <p:clrMapOvr>
     <a:masterClrMapping/>
   </p:clrMapOvr>
-  <p:transition xmlns:p14="http://schemas.microsoft.com/office/powerpoint/2010/main" spd="med" advClick="1"/>
+  <p:transition xmlns:p14="http://schemas.microsoft.com/office/powerpoint/2010/main" spd="med"/>
 </p:sldLayout>
 </file>
 
 <file path=ppt/slideLayouts/slideLayout6.xml><?xml version="1.0" encoding="utf-8"?>
-<p:sldLayout xmlns:a="http://schemas.openxmlformats.org/drawingml/2006/main" xmlns:r="http://schemas.openxmlformats.org/officeDocument/2006/relationships" xmlns:p="http://schemas.openxmlformats.org/presentationml/2006/main" xmlns:m="http://schemas.openxmlformats.org/officeDocument/2006/math" xmlns:a14="http://schemas.microsoft.com/office/drawing/2010/main" type="tx" showMasterSp="1" showMasterPhAnim="1">
+<p:sldLayout xmlns:a="http://schemas.openxmlformats.org/drawingml/2006/main" xmlns:r="http://schemas.openxmlformats.org/officeDocument/2006/relationships" xmlns:p="http://schemas.openxmlformats.org/presentationml/2006/main" type="tx">
   <p:cSld name="Main page - multiple levels">
     <p:spTree>
       <p:nvGrpSpPr>
@@ -3870,7 +3973,9 @@
       <p:sp>
         <p:nvSpPr>
           <p:cNvPr id="66" name="Body Level One…"/>
-          <p:cNvSpPr txBox="1"/>
+          <p:cNvSpPr txBox="1">
+            <a:spLocks noGrp="1"/>
+          </p:cNvSpPr>
           <p:nvPr>
             <p:ph type="body" sz="quarter" idx="1"/>
           </p:nvPr>
@@ -3886,7 +3991,7 @@
         </p:spPr>
         <p:txBody>
           <a:bodyPr lIns="91424" tIns="91424" rIns="91424" bIns="91424">
-            <a:normAutofit fontScale="100000" lnSpcReduction="0"/>
+            <a:normAutofit/>
           </a:bodyPr>
           <a:lstStyle>
             <a:lvl1pPr>
@@ -3926,7 +4031,6 @@
             </a:lvl5pPr>
           </a:lstStyle>
           <a:p>
-            <a:pPr/>
             <a:r>
               <a:t>Body Level One</a:t>
             </a:r>
@@ -3960,7 +4064,9 @@
       <p:sp>
         <p:nvSpPr>
           <p:cNvPr id="67" name="Title Text"/>
-          <p:cNvSpPr txBox="1"/>
+          <p:cNvSpPr txBox="1">
+            <a:spLocks noGrp="1"/>
+          </p:cNvSpPr>
           <p:nvPr>
             <p:ph type="title"/>
           </p:nvPr>
@@ -3976,11 +4082,11 @@
         </p:spPr>
         <p:txBody>
           <a:bodyPr lIns="91424" tIns="91424" rIns="91424" bIns="91424">
-            <a:normAutofit fontScale="100000" lnSpcReduction="0"/>
+            <a:normAutofit/>
           </a:bodyPr>
           <a:lstStyle>
             <a:lvl1pPr>
-              <a:defRPr b="1" sz="2800">
+              <a:defRPr sz="2800" b="1">
                 <a:solidFill>
                   <a:schemeClr val="accent1"/>
                 </a:solidFill>
@@ -3988,7 +4094,6 @@
             </a:lvl1pPr>
           </a:lstStyle>
           <a:p>
-            <a:pPr/>
             <a:r>
               <a:t>Title Text</a:t>
             </a:r>
@@ -3998,7 +4103,9 @@
       <p:sp>
         <p:nvSpPr>
           <p:cNvPr id="68" name="Shape 42"/>
-          <p:cNvSpPr txBox="1"/>
+          <p:cNvSpPr txBox="1">
+            <a:spLocks noGrp="1"/>
+          </p:cNvSpPr>
           <p:nvPr>
             <p:ph type="body" idx="13"/>
           </p:nvPr>
@@ -4014,7 +4121,7 @@
         </p:spPr>
         <p:txBody>
           <a:bodyPr lIns="91424" tIns="91424" rIns="91424" bIns="91424">
-            <a:normAutofit fontScale="100000" lnSpcReduction="0"/>
+            <a:normAutofit/>
           </a:bodyPr>
           <a:lstStyle/>
           <a:p>
@@ -4033,13 +4140,16 @@
                 </a:solidFill>
               </a:defRPr>
             </a:pPr>
+            <a:endParaRPr/>
           </a:p>
         </p:txBody>
       </p:sp>
       <p:sp>
         <p:nvSpPr>
           <p:cNvPr id="69" name="Slide Number"/>
-          <p:cNvSpPr txBox="1"/>
+          <p:cNvSpPr txBox="1">
+            <a:spLocks noGrp="1"/>
+          </p:cNvSpPr>
           <p:nvPr>
             <p:ph type="sldNum" sz="quarter" idx="2"/>
           </p:nvPr>
@@ -4053,8 +4163,10 @@
           <a:bodyPr/>
           <a:lstStyle/>
           <a:p>
-            <a:pPr/>
-            <a:fld id="{86CB4B4D-7CA3-9044-876B-883B54F8677D}" type="slidenum"/>
+            <a:fld id="{86CB4B4D-7CA3-9044-876B-883B54F8677D}" type="slidenum">
+              <a:t>‹#›</a:t>
+            </a:fld>
+            <a:endParaRPr/>
           </a:p>
         </p:txBody>
       </p:sp>
@@ -4063,12 +4175,12 @@
   <p:clrMapOvr>
     <a:masterClrMapping/>
   </p:clrMapOvr>
-  <p:transition xmlns:p14="http://schemas.microsoft.com/office/powerpoint/2010/main" spd="med" advClick="1"/>
+  <p:transition xmlns:p14="http://schemas.microsoft.com/office/powerpoint/2010/main" spd="med"/>
 </p:sldLayout>
 </file>
 
 <file path=ppt/slideLayouts/slideLayout7.xml><?xml version="1.0" encoding="utf-8"?>
-<p:sldLayout xmlns:a="http://schemas.openxmlformats.org/drawingml/2006/main" xmlns:r="http://schemas.openxmlformats.org/officeDocument/2006/relationships" xmlns:p="http://schemas.openxmlformats.org/presentationml/2006/main" xmlns:m="http://schemas.openxmlformats.org/officeDocument/2006/math" xmlns:a14="http://schemas.microsoft.com/office/drawing/2010/main" type="tx" showMasterSp="1" showMasterPhAnim="1">
+<p:sldLayout xmlns:a="http://schemas.openxmlformats.org/drawingml/2006/main" xmlns:r="http://schemas.openxmlformats.org/officeDocument/2006/relationships" xmlns:p="http://schemas.openxmlformats.org/presentationml/2006/main" type="tx">
   <p:cSld name="Two Column content">
     <p:spTree>
       <p:nvGrpSpPr>
@@ -4087,7 +4199,9 @@
       <p:sp>
         <p:nvSpPr>
           <p:cNvPr id="76" name="Body Level One…"/>
-          <p:cNvSpPr txBox="1"/>
+          <p:cNvSpPr txBox="1">
+            <a:spLocks noGrp="1"/>
+          </p:cNvSpPr>
           <p:nvPr>
             <p:ph type="body" sz="quarter" idx="1"/>
           </p:nvPr>
@@ -4103,7 +4217,7 @@
         </p:spPr>
         <p:txBody>
           <a:bodyPr lIns="91424" tIns="91424" rIns="91424" bIns="91424">
-            <a:normAutofit fontScale="100000" lnSpcReduction="0"/>
+            <a:normAutofit/>
           </a:bodyPr>
           <a:lstStyle>
             <a:lvl1pPr>
@@ -4143,7 +4257,6 @@
             </a:lvl5pPr>
           </a:lstStyle>
           <a:p>
-            <a:pPr/>
             <a:r>
               <a:t>Body Level One</a:t>
             </a:r>
@@ -4177,7 +4290,9 @@
       <p:sp>
         <p:nvSpPr>
           <p:cNvPr id="77" name="Title Text"/>
-          <p:cNvSpPr txBox="1"/>
+          <p:cNvSpPr txBox="1">
+            <a:spLocks noGrp="1"/>
+          </p:cNvSpPr>
           <p:nvPr>
             <p:ph type="title"/>
           </p:nvPr>
@@ -4193,11 +4308,11 @@
         </p:spPr>
         <p:txBody>
           <a:bodyPr lIns="91424" tIns="91424" rIns="91424" bIns="91424">
-            <a:normAutofit fontScale="100000" lnSpcReduction="0"/>
+            <a:normAutofit/>
           </a:bodyPr>
           <a:lstStyle>
             <a:lvl1pPr>
-              <a:defRPr b="1" sz="2800">
+              <a:defRPr sz="2800" b="1">
                 <a:solidFill>
                   <a:schemeClr val="accent1"/>
                 </a:solidFill>
@@ -4205,7 +4320,6 @@
             </a:lvl1pPr>
           </a:lstStyle>
           <a:p>
-            <a:pPr/>
             <a:r>
               <a:t>Title Text</a:t>
             </a:r>
@@ -4215,7 +4329,9 @@
       <p:sp>
         <p:nvSpPr>
           <p:cNvPr id="78" name="Shape 49"/>
-          <p:cNvSpPr txBox="1"/>
+          <p:cNvSpPr txBox="1">
+            <a:spLocks noGrp="1"/>
+          </p:cNvSpPr>
           <p:nvPr>
             <p:ph type="body" sz="half" idx="13"/>
           </p:nvPr>
@@ -4231,7 +4347,7 @@
         </p:spPr>
         <p:txBody>
           <a:bodyPr lIns="91424" tIns="91424" rIns="91424" bIns="91424">
-            <a:normAutofit fontScale="100000" lnSpcReduction="0"/>
+            <a:normAutofit/>
           </a:bodyPr>
           <a:lstStyle/>
           <a:p>
@@ -4247,13 +4363,16 @@
                 </a:solidFill>
               </a:defRPr>
             </a:pPr>
+            <a:endParaRPr/>
           </a:p>
         </p:txBody>
       </p:sp>
       <p:sp>
         <p:nvSpPr>
           <p:cNvPr id="79" name="Shape 50"/>
-          <p:cNvSpPr txBox="1"/>
+          <p:cNvSpPr txBox="1">
+            <a:spLocks noGrp="1"/>
+          </p:cNvSpPr>
           <p:nvPr>
             <p:ph type="body" sz="half" idx="14"/>
           </p:nvPr>
@@ -4269,7 +4388,7 @@
         </p:spPr>
         <p:txBody>
           <a:bodyPr lIns="91424" tIns="91424" rIns="91424" bIns="91424">
-            <a:normAutofit fontScale="100000" lnSpcReduction="0"/>
+            <a:normAutofit/>
           </a:bodyPr>
           <a:lstStyle/>
           <a:p>
@@ -4285,6 +4404,7 @@
                 </a:solidFill>
               </a:defRPr>
             </a:pPr>
+            <a:endParaRPr/>
           </a:p>
         </p:txBody>
       </p:sp>
@@ -4312,14 +4432,16 @@
           <a:bodyPr lIns="45719" rIns="45719"/>
           <a:lstStyle/>
           <a:p>
-            <a:pPr/>
+            <a:endParaRPr/>
           </a:p>
         </p:txBody>
       </p:sp>
       <p:sp>
         <p:nvSpPr>
           <p:cNvPr id="81" name="Slide Number"/>
-          <p:cNvSpPr txBox="1"/>
+          <p:cNvSpPr txBox="1">
+            <a:spLocks noGrp="1"/>
+          </p:cNvSpPr>
           <p:nvPr>
             <p:ph type="sldNum" sz="quarter" idx="2"/>
           </p:nvPr>
@@ -4333,8 +4455,10 @@
           <a:bodyPr/>
           <a:lstStyle/>
           <a:p>
-            <a:pPr/>
-            <a:fld id="{86CB4B4D-7CA3-9044-876B-883B54F8677D}" type="slidenum"/>
+            <a:fld id="{86CB4B4D-7CA3-9044-876B-883B54F8677D}" type="slidenum">
+              <a:t>‹#›</a:t>
+            </a:fld>
+            <a:endParaRPr/>
           </a:p>
         </p:txBody>
       </p:sp>
@@ -4343,12 +4467,12 @@
   <p:clrMapOvr>
     <a:masterClrMapping/>
   </p:clrMapOvr>
-  <p:transition xmlns:p14="http://schemas.microsoft.com/office/powerpoint/2010/main" spd="med" advClick="1"/>
+  <p:transition xmlns:p14="http://schemas.microsoft.com/office/powerpoint/2010/main" spd="med"/>
 </p:sldLayout>
 </file>
 
 <file path=ppt/slideLayouts/slideLayout8.xml><?xml version="1.0" encoding="utf-8"?>
-<p:sldLayout xmlns:a="http://schemas.openxmlformats.org/drawingml/2006/main" xmlns:r="http://schemas.openxmlformats.org/officeDocument/2006/relationships" xmlns:p="http://schemas.openxmlformats.org/presentationml/2006/main" xmlns:m="http://schemas.openxmlformats.org/officeDocument/2006/math" xmlns:a14="http://schemas.microsoft.com/office/drawing/2010/main" type="tx" showMasterSp="1" showMasterPhAnim="1">
+<p:sldLayout xmlns:a="http://schemas.openxmlformats.org/drawingml/2006/main" xmlns:r="http://schemas.openxmlformats.org/officeDocument/2006/relationships" xmlns:p="http://schemas.openxmlformats.org/presentationml/2006/main" type="tx">
   <p:cSld name="Title only">
     <p:spTree>
       <p:nvGrpSpPr>
@@ -4367,7 +4491,9 @@
       <p:sp>
         <p:nvSpPr>
           <p:cNvPr id="88" name="Body Level One…"/>
-          <p:cNvSpPr txBox="1"/>
+          <p:cNvSpPr txBox="1">
+            <a:spLocks noGrp="1"/>
+          </p:cNvSpPr>
           <p:nvPr>
             <p:ph type="body" sz="quarter" idx="1"/>
           </p:nvPr>
@@ -4383,7 +4509,7 @@
         </p:spPr>
         <p:txBody>
           <a:bodyPr lIns="91424" tIns="91424" rIns="91424" bIns="91424">
-            <a:normAutofit fontScale="100000" lnSpcReduction="0"/>
+            <a:normAutofit/>
           </a:bodyPr>
           <a:lstStyle>
             <a:lvl1pPr>
@@ -4423,7 +4549,6 @@
             </a:lvl5pPr>
           </a:lstStyle>
           <a:p>
-            <a:pPr/>
             <a:r>
               <a:t>Body Level One</a:t>
             </a:r>
@@ -4457,7 +4582,9 @@
       <p:sp>
         <p:nvSpPr>
           <p:cNvPr id="89" name="Title Text"/>
-          <p:cNvSpPr txBox="1"/>
+          <p:cNvSpPr txBox="1">
+            <a:spLocks noGrp="1"/>
+          </p:cNvSpPr>
           <p:nvPr>
             <p:ph type="title"/>
           </p:nvPr>
@@ -4473,11 +4600,11 @@
         </p:spPr>
         <p:txBody>
           <a:bodyPr lIns="91424" tIns="91424" rIns="91424" bIns="91424">
-            <a:normAutofit fontScale="100000" lnSpcReduction="0"/>
+            <a:normAutofit/>
           </a:bodyPr>
           <a:lstStyle>
             <a:lvl1pPr>
-              <a:defRPr b="1" sz="2800">
+              <a:defRPr sz="2800" b="1">
                 <a:solidFill>
                   <a:schemeClr val="accent1"/>
                 </a:solidFill>
@@ -4485,7 +4612,6 @@
             </a:lvl1pPr>
           </a:lstStyle>
           <a:p>
-            <a:pPr/>
             <a:r>
               <a:t>Title Text</a:t>
             </a:r>
@@ -4495,7 +4621,9 @@
       <p:sp>
         <p:nvSpPr>
           <p:cNvPr id="90" name="Slide Number"/>
-          <p:cNvSpPr txBox="1"/>
+          <p:cNvSpPr txBox="1">
+            <a:spLocks noGrp="1"/>
+          </p:cNvSpPr>
           <p:nvPr>
             <p:ph type="sldNum" sz="quarter" idx="2"/>
           </p:nvPr>
@@ -4509,8 +4637,10 @@
           <a:bodyPr/>
           <a:lstStyle/>
           <a:p>
-            <a:pPr/>
-            <a:fld id="{86CB4B4D-7CA3-9044-876B-883B54F8677D}" type="slidenum"/>
+            <a:fld id="{86CB4B4D-7CA3-9044-876B-883B54F8677D}" type="slidenum">
+              <a:t>‹#›</a:t>
+            </a:fld>
+            <a:endParaRPr/>
           </a:p>
         </p:txBody>
       </p:sp>
@@ -4519,12 +4649,12 @@
   <p:clrMapOvr>
     <a:masterClrMapping/>
   </p:clrMapOvr>
-  <p:transition xmlns:p14="http://schemas.microsoft.com/office/powerpoint/2010/main" spd="med" advClick="1"/>
+  <p:transition xmlns:p14="http://schemas.microsoft.com/office/powerpoint/2010/main" spd="med"/>
 </p:sldLayout>
 </file>
 
 <file path=ppt/slideLayouts/slideLayout9.xml><?xml version="1.0" encoding="utf-8"?>
-<p:sldLayout xmlns:a="http://schemas.openxmlformats.org/drawingml/2006/main" xmlns:r="http://schemas.openxmlformats.org/officeDocument/2006/relationships" xmlns:p="http://schemas.openxmlformats.org/presentationml/2006/main" xmlns:m="http://schemas.openxmlformats.org/officeDocument/2006/math" xmlns:a14="http://schemas.microsoft.com/office/drawing/2010/main" type="tx" showMasterSp="1" showMasterPhAnim="1">
+<p:sldLayout xmlns:a="http://schemas.openxmlformats.org/drawingml/2006/main" xmlns:r="http://schemas.openxmlformats.org/officeDocument/2006/relationships" xmlns:p="http://schemas.openxmlformats.org/presentationml/2006/main" type="tx">
   <p:cSld name="Table page">
     <p:spTree>
       <p:nvGrpSpPr>
@@ -4543,7 +4673,9 @@
       <p:sp>
         <p:nvSpPr>
           <p:cNvPr id="97" name="Body Level One…"/>
-          <p:cNvSpPr txBox="1"/>
+          <p:cNvSpPr txBox="1">
+            <a:spLocks noGrp="1"/>
+          </p:cNvSpPr>
           <p:nvPr>
             <p:ph type="body" sz="quarter" idx="1"/>
           </p:nvPr>
@@ -4559,7 +4691,7 @@
         </p:spPr>
         <p:txBody>
           <a:bodyPr lIns="91424" tIns="91424" rIns="91424" bIns="91424">
-            <a:normAutofit fontScale="100000" lnSpcReduction="0"/>
+            <a:normAutofit/>
           </a:bodyPr>
           <a:lstStyle>
             <a:lvl1pPr>
@@ -4599,7 +4731,6 @@
             </a:lvl5pPr>
           </a:lstStyle>
           <a:p>
-            <a:pPr/>
             <a:r>
               <a:t>Body Level One</a:t>
             </a:r>
@@ -4633,7 +4764,9 @@
       <p:sp>
         <p:nvSpPr>
           <p:cNvPr id="98" name="Title Text"/>
-          <p:cNvSpPr txBox="1"/>
+          <p:cNvSpPr txBox="1">
+            <a:spLocks noGrp="1"/>
+          </p:cNvSpPr>
           <p:nvPr>
             <p:ph type="title"/>
           </p:nvPr>
@@ -4649,11 +4782,11 @@
         </p:spPr>
         <p:txBody>
           <a:bodyPr lIns="91424" tIns="91424" rIns="91424" bIns="91424">
-            <a:normAutofit fontScale="100000" lnSpcReduction="0"/>
+            <a:normAutofit/>
           </a:bodyPr>
           <a:lstStyle>
             <a:lvl1pPr>
-              <a:defRPr b="1" sz="2800">
+              <a:defRPr sz="2800" b="1">
                 <a:solidFill>
                   <a:schemeClr val="accent1"/>
                 </a:solidFill>
@@ -4661,7 +4794,6 @@
             </a:lvl1pPr>
           </a:lstStyle>
           <a:p>
-            <a:pPr/>
             <a:r>
               <a:t>Title Text</a:t>
             </a:r>
@@ -4671,7 +4803,9 @@
       <p:sp>
         <p:nvSpPr>
           <p:cNvPr id="99" name="Slide Number"/>
-          <p:cNvSpPr txBox="1"/>
+          <p:cNvSpPr txBox="1">
+            <a:spLocks noGrp="1"/>
+          </p:cNvSpPr>
           <p:nvPr>
             <p:ph type="sldNum" sz="quarter" idx="2"/>
           </p:nvPr>
@@ -4685,8 +4819,10 @@
           <a:bodyPr/>
           <a:lstStyle/>
           <a:p>
-            <a:pPr/>
-            <a:fld id="{86CB4B4D-7CA3-9044-876B-883B54F8677D}" type="slidenum"/>
+            <a:fld id="{86CB4B4D-7CA3-9044-876B-883B54F8677D}" type="slidenum">
+              <a:t>‹#›</a:t>
+            </a:fld>
+            <a:endParaRPr/>
           </a:p>
         </p:txBody>
       </p:sp>
@@ -4695,18 +4831,19 @@
   <p:clrMapOvr>
     <a:masterClrMapping/>
   </p:clrMapOvr>
-  <p:transition xmlns:p14="http://schemas.microsoft.com/office/powerpoint/2010/main" spd="med" advClick="1"/>
+  <p:transition xmlns:p14="http://schemas.microsoft.com/office/powerpoint/2010/main" spd="med"/>
 </p:sldLayout>
 </file>
 
 <file path=ppt/slideMasters/slideMaster1.xml><?xml version="1.0" encoding="utf-8"?>
-<p:sldMaster xmlns:a="http://schemas.openxmlformats.org/drawingml/2006/main" xmlns:r="http://schemas.openxmlformats.org/officeDocument/2006/relationships" xmlns:p="http://schemas.openxmlformats.org/presentationml/2006/main" xmlns:m="http://schemas.openxmlformats.org/officeDocument/2006/math" xmlns:a14="http://schemas.microsoft.com/office/drawing/2010/main">
+<p:sldMaster xmlns:a="http://schemas.openxmlformats.org/drawingml/2006/main" xmlns:r="http://schemas.openxmlformats.org/officeDocument/2006/relationships" xmlns:p="http://schemas.openxmlformats.org/presentationml/2006/main">
   <p:cSld>
     <p:bg>
       <p:bgPr>
         <a:solidFill>
           <a:srgbClr val="FFFFFF"/>
         </a:solidFill>
+        <a:effectLst/>
       </p:bgPr>
     </p:bg>
     <p:spTree>
@@ -4755,6 +4892,7 @@
                 </a:solidFill>
               </a:defRPr>
             </a:pPr>
+            <a:endParaRPr/>
           </a:p>
         </p:txBody>
       </p:sp>
@@ -4767,7 +4905,7 @@
           <p:nvPr/>
         </p:nvPicPr>
         <p:blipFill>
-          <a:blip r:embed="rId2">
+          <a:blip r:embed="rId20">
             <a:extLst/>
           </a:blip>
           <a:stretch>
@@ -4790,7 +4928,9 @@
       <p:sp>
         <p:nvSpPr>
           <p:cNvPr id="4" name="Title Text"/>
-          <p:cNvSpPr txBox="1"/>
+          <p:cNvSpPr txBox="1">
+            <a:spLocks noGrp="1"/>
+          </p:cNvSpPr>
           <p:nvPr>
             <p:ph type="title"/>
           </p:nvPr>
@@ -4816,7 +4956,6 @@
           <a:bodyPr lIns="45719" rIns="45719" anchor="ctr"/>
           <a:lstStyle/>
           <a:p>
-            <a:pPr/>
             <a:r>
               <a:t>Title Text</a:t>
             </a:r>
@@ -4826,7 +4965,9 @@
       <p:sp>
         <p:nvSpPr>
           <p:cNvPr id="5" name="Body Level One…"/>
-          <p:cNvSpPr txBox="1"/>
+          <p:cNvSpPr txBox="1">
+            <a:spLocks noGrp="1"/>
+          </p:cNvSpPr>
           <p:nvPr>
             <p:ph type="body" idx="1"/>
           </p:nvPr>
@@ -4852,7 +4993,6 @@
           <a:bodyPr lIns="45719" rIns="45719"/>
           <a:lstStyle/>
           <a:p>
-            <a:pPr/>
             <a:r>
               <a:t>Body Level One</a:t>
             </a:r>
@@ -4886,7 +5026,9 @@
       <p:sp>
         <p:nvSpPr>
           <p:cNvPr id="6" name="Slide Number"/>
-          <p:cNvSpPr txBox="1"/>
+          <p:cNvSpPr txBox="1">
+            <a:spLocks noGrp="1"/>
+          </p:cNvSpPr>
           <p:nvPr>
             <p:ph type="sldNum" sz="quarter" idx="2"/>
           </p:nvPr>
@@ -4917,8 +5059,10 @@
             </a:lvl1pPr>
           </a:lstStyle>
           <a:p>
-            <a:pPr/>
-            <a:fld id="{86CB4B4D-7CA3-9044-876B-883B54F8677D}" type="slidenum"/>
+            <a:fld id="{86CB4B4D-7CA3-9044-876B-883B54F8677D}" type="slidenum">
+              <a:t>‹#›</a:t>
+            </a:fld>
+            <a:endParaRPr/>
           </a:p>
         </p:txBody>
       </p:sp>
@@ -4926,26 +5070,26 @@
   </p:cSld>
   <p:clrMap bg1="lt1" tx1="dk1" bg2="lt2" tx2="dk2" accent1="accent1" accent2="accent2" accent3="accent3" accent4="accent4" accent5="accent5" accent6="accent6" hlink="hlink" folHlink="folHlink"/>
   <p:sldLayoutIdLst>
-    <p:sldLayoutId id="2147483649" r:id="rId3"/>
-    <p:sldLayoutId id="2147483650" r:id="rId4"/>
-    <p:sldLayoutId id="2147483651" r:id="rId5"/>
-    <p:sldLayoutId id="2147483652" r:id="rId6"/>
-    <p:sldLayoutId id="2147483653" r:id="rId7"/>
-    <p:sldLayoutId id="2147483654" r:id="rId8"/>
-    <p:sldLayoutId id="2147483655" r:id="rId9"/>
-    <p:sldLayoutId id="2147483656" r:id="rId10"/>
-    <p:sldLayoutId id="2147483657" r:id="rId11"/>
-    <p:sldLayoutId id="2147483658" r:id="rId12"/>
-    <p:sldLayoutId id="2147483659" r:id="rId13"/>
-    <p:sldLayoutId id="2147483660" r:id="rId14"/>
-    <p:sldLayoutId id="2147483661" r:id="rId15"/>
-    <p:sldLayoutId id="2147483662" r:id="rId16"/>
-    <p:sldLayoutId id="2147483663" r:id="rId17"/>
-    <p:sldLayoutId id="2147483664" r:id="rId18"/>
-    <p:sldLayoutId id="2147483665" r:id="rId19"/>
-    <p:sldLayoutId id="2147483666" r:id="rId20"/>
+    <p:sldLayoutId id="2147483649" r:id="rId1"/>
+    <p:sldLayoutId id="2147483650" r:id="rId2"/>
+    <p:sldLayoutId id="2147483651" r:id="rId3"/>
+    <p:sldLayoutId id="2147483652" r:id="rId4"/>
+    <p:sldLayoutId id="2147483653" r:id="rId5"/>
+    <p:sldLayoutId id="2147483654" r:id="rId6"/>
+    <p:sldLayoutId id="2147483655" r:id="rId7"/>
+    <p:sldLayoutId id="2147483656" r:id="rId8"/>
+    <p:sldLayoutId id="2147483657" r:id="rId9"/>
+    <p:sldLayoutId id="2147483658" r:id="rId10"/>
+    <p:sldLayoutId id="2147483659" r:id="rId11"/>
+    <p:sldLayoutId id="2147483660" r:id="rId12"/>
+    <p:sldLayoutId id="2147483661" r:id="rId13"/>
+    <p:sldLayoutId id="2147483662" r:id="rId14"/>
+    <p:sldLayoutId id="2147483663" r:id="rId15"/>
+    <p:sldLayoutId id="2147483664" r:id="rId16"/>
+    <p:sldLayoutId id="2147483665" r:id="rId17"/>
+    <p:sldLayoutId id="2147483666" r:id="rId18"/>
   </p:sldLayoutIdLst>
-  <p:transition xmlns:p14="http://schemas.microsoft.com/office/powerpoint/2010/main" spd="med" advClick="1"/>
+  <p:transition xmlns:p14="http://schemas.microsoft.com/office/powerpoint/2010/main" spd="med"/>
   <p:txStyles>
     <p:titleStyle>
       <a:lvl1pPr marL="0" marR="0" indent="0" algn="l" defTabSz="914400" rtl="0" latinLnBrk="0">
@@ -4963,7 +5107,7 @@
         <a:buFontTx/>
         <a:buNone/>
         <a:tabLst/>
-        <a:defRPr b="0" baseline="0" cap="none" i="0" spc="0" strike="noStrike" sz="1400" u="none">
+        <a:defRPr sz="1400" b="0" i="0" u="none" strike="noStrike" cap="none" spc="0" baseline="0">
           <a:ln>
             <a:noFill/>
           </a:ln>
@@ -4992,7 +5136,7 @@
         <a:buFontTx/>
         <a:buNone/>
         <a:tabLst/>
-        <a:defRPr b="0" baseline="0" cap="none" i="0" spc="0" strike="noStrike" sz="1400" u="none">
+        <a:defRPr sz="1400" b="0" i="0" u="none" strike="noStrike" cap="none" spc="0" baseline="0">
           <a:ln>
             <a:noFill/>
           </a:ln>
@@ -5021,7 +5165,7 @@
         <a:buFontTx/>
         <a:buNone/>
         <a:tabLst/>
-        <a:defRPr b="0" baseline="0" cap="none" i="0" spc="0" strike="noStrike" sz="1400" u="none">
+        <a:defRPr sz="1400" b="0" i="0" u="none" strike="noStrike" cap="none" spc="0" baseline="0">
           <a:ln>
             <a:noFill/>
           </a:ln>
@@ -5050,7 +5194,7 @@
         <a:buFontTx/>
         <a:buNone/>
         <a:tabLst/>
-        <a:defRPr b="0" baseline="0" cap="none" i="0" spc="0" strike="noStrike" sz="1400" u="none">
+        <a:defRPr sz="1400" b="0" i="0" u="none" strike="noStrike" cap="none" spc="0" baseline="0">
           <a:ln>
             <a:noFill/>
           </a:ln>
@@ -5079,7 +5223,7 @@
         <a:buFontTx/>
         <a:buNone/>
         <a:tabLst/>
-        <a:defRPr b="0" baseline="0" cap="none" i="0" spc="0" strike="noStrike" sz="1400" u="none">
+        <a:defRPr sz="1400" b="0" i="0" u="none" strike="noStrike" cap="none" spc="0" baseline="0">
           <a:ln>
             <a:noFill/>
           </a:ln>
@@ -5108,7 +5252,7 @@
         <a:buFontTx/>
         <a:buNone/>
         <a:tabLst/>
-        <a:defRPr b="0" baseline="0" cap="none" i="0" spc="0" strike="noStrike" sz="1400" u="none">
+        <a:defRPr sz="1400" b="0" i="0" u="none" strike="noStrike" cap="none" spc="0" baseline="0">
           <a:ln>
             <a:noFill/>
           </a:ln>
@@ -5137,7 +5281,7 @@
         <a:buFontTx/>
         <a:buNone/>
         <a:tabLst/>
-        <a:defRPr b="0" baseline="0" cap="none" i="0" spc="0" strike="noStrike" sz="1400" u="none">
+        <a:defRPr sz="1400" b="0" i="0" u="none" strike="noStrike" cap="none" spc="0" baseline="0">
           <a:ln>
             <a:noFill/>
           </a:ln>
@@ -5166,7 +5310,7 @@
         <a:buFontTx/>
         <a:buNone/>
         <a:tabLst/>
-        <a:defRPr b="0" baseline="0" cap="none" i="0" spc="0" strike="noStrike" sz="1400" u="none">
+        <a:defRPr sz="1400" b="0" i="0" u="none" strike="noStrike" cap="none" spc="0" baseline="0">
           <a:ln>
             <a:noFill/>
           </a:ln>
@@ -5195,7 +5339,7 @@
         <a:buFontTx/>
         <a:buNone/>
         <a:tabLst/>
-        <a:defRPr b="0" baseline="0" cap="none" i="0" spc="0" strike="noStrike" sz="1400" u="none">
+        <a:defRPr sz="1400" b="0" i="0" u="none" strike="noStrike" cap="none" spc="0" baseline="0">
           <a:ln>
             <a:noFill/>
           </a:ln>
@@ -5226,7 +5370,7 @@
         <a:buFontTx/>
         <a:buNone/>
         <a:tabLst/>
-        <a:defRPr b="0" baseline="0" cap="none" i="0" spc="0" strike="noStrike" sz="1400" u="none">
+        <a:defRPr sz="1400" b="0" i="0" u="none" strike="noStrike" cap="none" spc="0" baseline="0">
           <a:ln>
             <a:noFill/>
           </a:ln>
@@ -5255,7 +5399,7 @@
         <a:buFontTx/>
         <a:buNone/>
         <a:tabLst/>
-        <a:defRPr b="0" baseline="0" cap="none" i="0" spc="0" strike="noStrike" sz="1400" u="none">
+        <a:defRPr sz="1400" b="0" i="0" u="none" strike="noStrike" cap="none" spc="0" baseline="0">
           <a:ln>
             <a:noFill/>
           </a:ln>
@@ -5284,7 +5428,7 @@
         <a:buFontTx/>
         <a:buNone/>
         <a:tabLst/>
-        <a:defRPr b="0" baseline="0" cap="none" i="0" spc="0" strike="noStrike" sz="1400" u="none">
+        <a:defRPr sz="1400" b="0" i="0" u="none" strike="noStrike" cap="none" spc="0" baseline="0">
           <a:ln>
             <a:noFill/>
           </a:ln>
@@ -5313,7 +5457,7 @@
         <a:buFontTx/>
         <a:buNone/>
         <a:tabLst/>
-        <a:defRPr b="0" baseline="0" cap="none" i="0" spc="0" strike="noStrike" sz="1400" u="none">
+        <a:defRPr sz="1400" b="0" i="0" u="none" strike="noStrike" cap="none" spc="0" baseline="0">
           <a:ln>
             <a:noFill/>
           </a:ln>
@@ -5342,7 +5486,7 @@
         <a:buFontTx/>
         <a:buNone/>
         <a:tabLst/>
-        <a:defRPr b="0" baseline="0" cap="none" i="0" spc="0" strike="noStrike" sz="1400" u="none">
+        <a:defRPr sz="1400" b="0" i="0" u="none" strike="noStrike" cap="none" spc="0" baseline="0">
           <a:ln>
             <a:noFill/>
           </a:ln>
@@ -5371,7 +5515,7 @@
         <a:buFontTx/>
         <a:buNone/>
         <a:tabLst/>
-        <a:defRPr b="0" baseline="0" cap="none" i="0" spc="0" strike="noStrike" sz="1400" u="none">
+        <a:defRPr sz="1400" b="0" i="0" u="none" strike="noStrike" cap="none" spc="0" baseline="0">
           <a:ln>
             <a:noFill/>
           </a:ln>
@@ -5400,7 +5544,7 @@
         <a:buFontTx/>
         <a:buNone/>
         <a:tabLst/>
-        <a:defRPr b="0" baseline="0" cap="none" i="0" spc="0" strike="noStrike" sz="1400" u="none">
+        <a:defRPr sz="1400" b="0" i="0" u="none" strike="noStrike" cap="none" spc="0" baseline="0">
           <a:ln>
             <a:noFill/>
           </a:ln>
@@ -5429,7 +5573,7 @@
         <a:buFontTx/>
         <a:buNone/>
         <a:tabLst/>
-        <a:defRPr b="0" baseline="0" cap="none" i="0" spc="0" strike="noStrike" sz="1400" u="none">
+        <a:defRPr sz="1400" b="0" i="0" u="none" strike="noStrike" cap="none" spc="0" baseline="0">
           <a:ln>
             <a:noFill/>
           </a:ln>
@@ -5458,7 +5602,7 @@
         <a:buFontTx/>
         <a:buNone/>
         <a:tabLst/>
-        <a:defRPr b="0" baseline="0" cap="none" i="0" spc="0" strike="noStrike" sz="1400" u="none">
+        <a:defRPr sz="1400" b="0" i="0" u="none" strike="noStrike" cap="none" spc="0" baseline="0">
           <a:ln>
             <a:noFill/>
           </a:ln>
@@ -5489,7 +5633,7 @@
         <a:buFontTx/>
         <a:buNone/>
         <a:tabLst/>
-        <a:defRPr b="0" baseline="0" cap="none" i="0" spc="0" strike="noStrike" sz="900" u="none">
+        <a:defRPr sz="900" b="0" i="0" u="none" strike="noStrike" cap="none" spc="0" baseline="0">
           <a:ln>
             <a:noFill/>
           </a:ln>
@@ -5518,7 +5662,7 @@
         <a:buFontTx/>
         <a:buNone/>
         <a:tabLst/>
-        <a:defRPr b="0" baseline="0" cap="none" i="0" spc="0" strike="noStrike" sz="900" u="none">
+        <a:defRPr sz="900" b="0" i="0" u="none" strike="noStrike" cap="none" spc="0" baseline="0">
           <a:ln>
             <a:noFill/>
           </a:ln>
@@ -5547,7 +5691,7 @@
         <a:buFontTx/>
         <a:buNone/>
         <a:tabLst/>
-        <a:defRPr b="0" baseline="0" cap="none" i="0" spc="0" strike="noStrike" sz="900" u="none">
+        <a:defRPr sz="900" b="0" i="0" u="none" strike="noStrike" cap="none" spc="0" baseline="0">
           <a:ln>
             <a:noFill/>
           </a:ln>
@@ -5576,7 +5720,7 @@
         <a:buFontTx/>
         <a:buNone/>
         <a:tabLst/>
-        <a:defRPr b="0" baseline="0" cap="none" i="0" spc="0" strike="noStrike" sz="900" u="none">
+        <a:defRPr sz="900" b="0" i="0" u="none" strike="noStrike" cap="none" spc="0" baseline="0">
           <a:ln>
             <a:noFill/>
           </a:ln>
@@ -5605,7 +5749,7 @@
         <a:buFontTx/>
         <a:buNone/>
         <a:tabLst/>
-        <a:defRPr b="0" baseline="0" cap="none" i="0" spc="0" strike="noStrike" sz="900" u="none">
+        <a:defRPr sz="900" b="0" i="0" u="none" strike="noStrike" cap="none" spc="0" baseline="0">
           <a:ln>
             <a:noFill/>
           </a:ln>
@@ -5634,7 +5778,7 @@
         <a:buFontTx/>
         <a:buNone/>
         <a:tabLst/>
-        <a:defRPr b="0" baseline="0" cap="none" i="0" spc="0" strike="noStrike" sz="900" u="none">
+        <a:defRPr sz="900" b="0" i="0" u="none" strike="noStrike" cap="none" spc="0" baseline="0">
           <a:ln>
             <a:noFill/>
           </a:ln>
@@ -5663,7 +5807,7 @@
         <a:buFontTx/>
         <a:buNone/>
         <a:tabLst/>
-        <a:defRPr b="0" baseline="0" cap="none" i="0" spc="0" strike="noStrike" sz="900" u="none">
+        <a:defRPr sz="900" b="0" i="0" u="none" strike="noStrike" cap="none" spc="0" baseline="0">
           <a:ln>
             <a:noFill/>
           </a:ln>
@@ -5692,7 +5836,7 @@
         <a:buFontTx/>
         <a:buNone/>
         <a:tabLst/>
-        <a:defRPr b="0" baseline="0" cap="none" i="0" spc="0" strike="noStrike" sz="900" u="none">
+        <a:defRPr sz="900" b="0" i="0" u="none" strike="noStrike" cap="none" spc="0" baseline="0">
           <a:ln>
             <a:noFill/>
           </a:ln>
@@ -5721,7 +5865,7 @@
         <a:buFontTx/>
         <a:buNone/>
         <a:tabLst/>
-        <a:defRPr b="0" baseline="0" cap="none" i="0" spc="0" strike="noStrike" sz="900" u="none">
+        <a:defRPr sz="900" b="0" i="0" u="none" strike="noStrike" cap="none" spc="0" baseline="0">
           <a:ln>
             <a:noFill/>
           </a:ln>
@@ -5741,17 +5885,18 @@
 </file>
 
 <file path=ppt/slides/slide1.xml><?xml version="1.0" encoding="utf-8"?>
-<p:sld xmlns:a="http://schemas.openxmlformats.org/drawingml/2006/main" xmlns:r="http://schemas.openxmlformats.org/officeDocument/2006/relationships" xmlns:p="http://schemas.openxmlformats.org/presentationml/2006/main" xmlns:m="http://schemas.openxmlformats.org/officeDocument/2006/math" xmlns:a14="http://schemas.microsoft.com/office/drawing/2010/main" showMasterSp="1" showMasterPhAnim="1">
+<p:sld xmlns:a="http://schemas.openxmlformats.org/drawingml/2006/main" xmlns:r="http://schemas.openxmlformats.org/officeDocument/2006/relationships" xmlns:p="http://schemas.openxmlformats.org/presentationml/2006/main">
   <p:cSld>
     <p:bg>
       <p:bgPr>
         <a:blipFill rotWithShape="1">
           <a:blip r:embed="rId2"/>
-          <a:srcRect l="0" t="0" r="0" b="0"/>
+          <a:srcRect/>
           <a:stretch>
             <a:fillRect/>
           </a:stretch>
         </a:blipFill>
+        <a:effectLst/>
       </p:bgPr>
     </p:bg>
     <p:spTree>
@@ -5801,7 +5946,9 @@
       <p:sp>
         <p:nvSpPr>
           <p:cNvPr id="219" name="Shape 130"/>
-          <p:cNvSpPr txBox="1"/>
+          <p:cNvSpPr txBox="1">
+            <a:spLocks noGrp="1"/>
+          </p:cNvSpPr>
           <p:nvPr>
             <p:ph type="ctrTitle"/>
           </p:nvPr>
@@ -5823,7 +5970,6 @@
             </a:lvl1pPr>
           </a:lstStyle>
           <a:p>
-            <a:pPr/>
             <a:r>
               <a:t>GemFire Operations Training</a:t>
             </a:r>
@@ -5833,7 +5979,9 @@
       <p:sp>
         <p:nvSpPr>
           <p:cNvPr id="220" name="Shape 131"/>
-          <p:cNvSpPr txBox="1"/>
+          <p:cNvSpPr txBox="1">
+            <a:spLocks noGrp="1"/>
+          </p:cNvSpPr>
           <p:nvPr>
             <p:ph type="subTitle" sz="quarter" idx="1"/>
           </p:nvPr>
@@ -5848,12 +5996,15 @@
           </a:prstGeom>
         </p:spPr>
         <p:txBody>
-          <a:bodyPr/>
+          <a:bodyPr>
+            <a:normAutofit fontScale="92500" lnSpcReduction="10000"/>
+          </a:bodyPr>
           <a:lstStyle/>
           <a:p>
             <a:pPr defTabSz="850391">
               <a:defRPr sz="1488"/>
             </a:pPr>
+            <a:endParaRPr/>
           </a:p>
         </p:txBody>
       </p:sp>
@@ -5862,12 +6013,12 @@
   <p:clrMapOvr>
     <a:masterClrMapping/>
   </p:clrMapOvr>
-  <p:transition xmlns:p14="http://schemas.microsoft.com/office/powerpoint/2010/main" spd="med" advClick="1"/>
+  <p:transition xmlns:p14="http://schemas.microsoft.com/office/powerpoint/2010/main" spd="med"/>
 </p:sld>
 </file>
 
 <file path=ppt/slides/slide2.xml><?xml version="1.0" encoding="utf-8"?>
-<p:sld xmlns:a="http://schemas.openxmlformats.org/drawingml/2006/main" xmlns:r="http://schemas.openxmlformats.org/officeDocument/2006/relationships" xmlns:p="http://schemas.openxmlformats.org/presentationml/2006/main" xmlns:m="http://schemas.openxmlformats.org/officeDocument/2006/math" xmlns:a14="http://schemas.microsoft.com/office/drawing/2010/main" showMasterSp="1" showMasterPhAnim="1">
+<p:sld xmlns:a="http://schemas.openxmlformats.org/drawingml/2006/main" xmlns:r="http://schemas.openxmlformats.org/officeDocument/2006/relationships" xmlns:p="http://schemas.openxmlformats.org/presentationml/2006/main">
   <p:cSld>
     <p:spTree>
       <p:nvGrpSpPr>
@@ -5886,7 +6037,9 @@
       <p:sp>
         <p:nvSpPr>
           <p:cNvPr id="222" name="Title 2"/>
-          <p:cNvSpPr txBox="1"/>
+          <p:cNvSpPr txBox="1">
+            <a:spLocks noGrp="1"/>
+          </p:cNvSpPr>
           <p:nvPr>
             <p:ph type="title"/>
           </p:nvPr>
@@ -5901,14 +6054,15 @@
           </a:prstGeom>
         </p:spPr>
         <p:txBody>
-          <a:bodyPr/>
+          <a:bodyPr>
+            <a:normAutofit fontScale="90000"/>
+          </a:bodyPr>
           <a:lstStyle>
             <a:lvl1pPr defTabSz="841247">
               <a:defRPr sz="2576"/>
             </a:lvl1pPr>
           </a:lstStyle>
           <a:p>
-            <a:pPr/>
             <a:r>
               <a:t>GemFire Troubleshooting </a:t>
             </a:r>
@@ -5918,7 +6072,9 @@
       <p:sp>
         <p:nvSpPr>
           <p:cNvPr id="223" name="Text Placeholder 3"/>
-          <p:cNvSpPr txBox="1"/>
+          <p:cNvSpPr txBox="1">
+            <a:spLocks noGrp="1"/>
+          </p:cNvSpPr>
           <p:nvPr>
             <p:ph type="body" idx="1"/>
           </p:nvPr>
@@ -6092,6 +6248,7 @@
                 </a:solidFill>
               </a:defRPr>
             </a:pPr>
+            <a:endParaRPr/>
           </a:p>
           <a:p>
             <a:pPr>
@@ -6168,23 +6325,9 @@
                     <a:srgbClr val="18B3C0"/>
                   </a:solidFill>
                 </a:uFill>
-                <a:hlinkClick r:id="rId2" invalidUrl="" action="" tgtFrame="" tooltip="" history="1" highlightClick="0" endSnd="0"/>
+                <a:hlinkClick r:id="rId2"/>
               </a:rPr>
-              <a:t>http://gemfire.docs.pivotal.io/docs-gemfire/latest/managing/troubleshooting/</a:t>
-            </a:r>
-            <a:r>
-              <a:rPr u="sng">
-                <a:solidFill>
-                  <a:srgbClr val="18B3C0"/>
-                </a:solidFill>
-                <a:uFill>
-                  <a:solidFill>
-                    <a:srgbClr val="18B3C0"/>
-                  </a:solidFill>
-                </a:uFill>
-                <a:hlinkClick r:id="rId2" invalidUrl="" action="" tgtFrame="" tooltip="" history="1" highlightClick="0" endSnd="0"/>
-              </a:rPr>
-              <a:t>diagnosing_system_probs.html</a:t>
+              <a:t>http://gemfire.docs.pivotal.io/docs-gemfire/latest/managing/troubleshooting/diagnosing_system_probs.html</a:t>
             </a:r>
           </a:p>
           <a:p>
@@ -6211,12 +6354,202 @@
   <p:clrMapOvr>
     <a:masterClrMapping/>
   </p:clrMapOvr>
-  <p:transition xmlns:p14="http://schemas.microsoft.com/office/powerpoint/2010/main" spd="med" advClick="1"/>
+  <p:transition xmlns:p14="http://schemas.microsoft.com/office/powerpoint/2010/main" spd="med"/>
 </p:sld>
 </file>
 
 <file path=ppt/slides/slide3.xml><?xml version="1.0" encoding="utf-8"?>
-<p:sld xmlns:a="http://schemas.openxmlformats.org/drawingml/2006/main" xmlns:r="http://schemas.openxmlformats.org/officeDocument/2006/relationships" xmlns:p="http://schemas.openxmlformats.org/presentationml/2006/main" xmlns:m="http://schemas.openxmlformats.org/officeDocument/2006/math" xmlns:a14="http://schemas.microsoft.com/office/drawing/2010/main" showMasterSp="1" showMasterPhAnim="1">
+<p:sld xmlns:a="http://schemas.openxmlformats.org/drawingml/2006/main" xmlns:r="http://schemas.openxmlformats.org/officeDocument/2006/relationships" xmlns:p="http://schemas.openxmlformats.org/presentationml/2006/main">
+  <p:cSld>
+    <p:spTree>
+      <p:nvGrpSpPr>
+        <p:cNvPr id="1" name=""/>
+        <p:cNvGrpSpPr/>
+        <p:nvPr/>
+      </p:nvGrpSpPr>
+      <p:grpSpPr>
+        <a:xfrm>
+          <a:off x="0" y="0"/>
+          <a:ext cx="0" cy="0"/>
+          <a:chOff x="0" y="0"/>
+          <a:chExt cx="0" cy="0"/>
+        </a:xfrm>
+      </p:grpSpPr>
+      <p:sp>
+        <p:nvSpPr>
+          <p:cNvPr id="229" name="Title 2"/>
+          <p:cNvSpPr txBox="1">
+            <a:spLocks noGrp="1"/>
+          </p:cNvSpPr>
+          <p:nvPr>
+            <p:ph type="title"/>
+          </p:nvPr>
+        </p:nvSpPr>
+        <p:spPr>
+          <a:xfrm>
+            <a:off x="108371" y="169549"/>
+            <a:ext cx="9035699" cy="542101"/>
+          </a:xfrm>
+          <a:prstGeom prst="rect">
+            <a:avLst/>
+          </a:prstGeom>
+        </p:spPr>
+        <p:txBody>
+          <a:bodyPr>
+            <a:normAutofit fontScale="90000"/>
+          </a:bodyPr>
+          <a:lstStyle>
+            <a:lvl1pPr defTabSz="841247">
+              <a:defRPr sz="2576"/>
+            </a:lvl1pPr>
+          </a:lstStyle>
+          <a:p>
+            <a:r>
+              <a:t>GemFire Startup Sequence</a:t>
+            </a:r>
+          </a:p>
+        </p:txBody>
+      </p:sp>
+      <p:sp>
+        <p:nvSpPr>
+          <p:cNvPr id="230" name="Text Placeholder 3"/>
+          <p:cNvSpPr txBox="1">
+            <a:spLocks noGrp="1"/>
+          </p:cNvSpPr>
+          <p:nvPr>
+            <p:ph type="body" idx="1"/>
+          </p:nvPr>
+        </p:nvSpPr>
+        <p:spPr>
+          <a:xfrm>
+            <a:off x="289149" y="863612"/>
+            <a:ext cx="8322662" cy="3914008"/>
+          </a:xfrm>
+          <a:prstGeom prst="rect">
+            <a:avLst/>
+          </a:prstGeom>
+        </p:spPr>
+        <p:txBody>
+          <a:bodyPr/>
+          <a:lstStyle/>
+          <a:p>
+            <a:pPr marL="222250" indent="-222250">
+              <a:buSzPct val="30000"/>
+              <a:buBlip>
+                <a:blip r:embed="rId2"/>
+              </a:buBlip>
+            </a:pPr>
+            <a:r>
+              <a:t>Join distributed system</a:t>
+            </a:r>
+          </a:p>
+          <a:p>
+            <a:pPr marL="666750" lvl="1" indent="-222250">
+              <a:buSzPct val="30000"/>
+              <a:buBlip>
+                <a:blip r:embed="rId2"/>
+              </a:buBlip>
+            </a:pPr>
+            <a:r>
+              <a:t>shows up as “member” on Pulse, list members</a:t>
+            </a:r>
+          </a:p>
+          <a:p>
+            <a:pPr marL="666750" lvl="1" indent="-222250">
+              <a:buSzPct val="30000"/>
+              <a:buBlip>
+                <a:blip r:embed="rId2"/>
+              </a:buBlip>
+            </a:pPr>
+            <a:endParaRPr/>
+          </a:p>
+          <a:p>
+            <a:pPr marL="222250" indent="-222250">
+              <a:buSzPct val="30000"/>
+              <a:buBlip>
+                <a:blip r:embed="rId2"/>
+              </a:buBlip>
+            </a:pPr>
+            <a:r>
+              <a:t>Region Definition Compatibility Checks</a:t>
+            </a:r>
+          </a:p>
+          <a:p>
+            <a:pPr lvl="2" indent="457200"/>
+            <a:r>
+              <a:t>at this point is an empty data node</a:t>
+            </a:r>
+          </a:p>
+          <a:p>
+            <a:pPr lvl="2" indent="457200"/>
+            <a:endParaRPr/>
+          </a:p>
+          <a:p>
+            <a:pPr marL="222250" indent="-222250">
+              <a:buSzPct val="30000"/>
+              <a:buBlip>
+                <a:blip r:embed="rId2"/>
+              </a:buBlip>
+            </a:pPr>
+            <a:r>
+              <a:t>Data Recovery (may involve indefinite waits if disk stores are present)</a:t>
+            </a:r>
+          </a:p>
+          <a:p>
+            <a:pPr marL="666750" lvl="1" indent="-222250">
+              <a:buSzPct val="30000"/>
+              <a:buBlip>
+                <a:blip r:embed="rId2"/>
+              </a:buBlip>
+            </a:pPr>
+            <a:r>
+              <a:t>from disk</a:t>
+            </a:r>
+          </a:p>
+          <a:p>
+            <a:pPr marL="666750" lvl="1" indent="-222250">
+              <a:buSzPct val="30000"/>
+              <a:buBlip>
+                <a:blip r:embed="rId2"/>
+              </a:buBlip>
+            </a:pPr>
+            <a:r>
+              <a:t>from peers (GII)</a:t>
+            </a:r>
+          </a:p>
+          <a:p>
+            <a:pPr marL="666750" lvl="1" indent="-222250">
+              <a:buSzPct val="30000"/>
+              <a:buBlip>
+                <a:blip r:embed="rId2"/>
+              </a:buBlip>
+            </a:pPr>
+            <a:endParaRPr/>
+          </a:p>
+          <a:p>
+            <a:pPr marL="222250" indent="-222250">
+              <a:buSzPct val="30000"/>
+              <a:buBlip>
+                <a:blip r:embed="rId2"/>
+              </a:buBlip>
+            </a:pPr>
+            <a:r>
+              <a:t>Start Cache Server (listen for client connections)</a:t>
+            </a:r>
+          </a:p>
+        </p:txBody>
+      </p:sp>
+    </p:spTree>
+  </p:cSld>
+  <p:clrMapOvr>
+    <a:masterClrMapping/>
+  </p:clrMapOvr>
+  <p:transition xmlns:p14="http://schemas.microsoft.com/office/powerpoint/2010/main" spd="med"/>
+</p:sld>
+</file>
+
+<file path=ppt/slides/slide4.xml><?xml version="1.0" encoding="utf-8"?>
+<p:sld xmlns:a="http://schemas.openxmlformats.org/drawingml/2006/main" xmlns:r="http://schemas.openxmlformats.org/officeDocument/2006/relationships" xmlns:p="http://schemas.openxmlformats.org/presentationml/2006/main">
   <p:cSld>
     <p:spTree>
       <p:nvGrpSpPr>
@@ -6235,7 +6568,9 @@
       <p:sp>
         <p:nvSpPr>
           <p:cNvPr id="225" name="Title 2"/>
-          <p:cNvSpPr txBox="1"/>
+          <p:cNvSpPr txBox="1">
+            <a:spLocks noGrp="1"/>
+          </p:cNvSpPr>
           <p:nvPr>
             <p:ph type="title"/>
           </p:nvPr>
@@ -6250,14 +6585,15 @@
           </a:prstGeom>
         </p:spPr>
         <p:txBody>
-          <a:bodyPr/>
+          <a:bodyPr>
+            <a:normAutofit fontScale="90000"/>
+          </a:bodyPr>
           <a:lstStyle>
             <a:lvl1pPr defTabSz="841247">
               <a:defRPr sz="2576"/>
             </a:lvl1pPr>
           </a:lstStyle>
           <a:p>
-            <a:pPr/>
             <a:r>
               <a:t>Troubleshooting - A Methodology</a:t>
             </a:r>
@@ -6563,194 +6899,12 @@
   <p:clrMapOvr>
     <a:masterClrMapping/>
   </p:clrMapOvr>
-  <p:transition xmlns:p14="http://schemas.microsoft.com/office/powerpoint/2010/main" spd="med" advClick="1"/>
-</p:sld>
-</file>
-
-<file path=ppt/slides/slide4.xml><?xml version="1.0" encoding="utf-8"?>
-<p:sld xmlns:a="http://schemas.openxmlformats.org/drawingml/2006/main" xmlns:r="http://schemas.openxmlformats.org/officeDocument/2006/relationships" xmlns:p="http://schemas.openxmlformats.org/presentationml/2006/main" xmlns:m="http://schemas.openxmlformats.org/officeDocument/2006/math" xmlns:a14="http://schemas.microsoft.com/office/drawing/2010/main" showMasterSp="1" showMasterPhAnim="1">
-  <p:cSld>
-    <p:spTree>
-      <p:nvGrpSpPr>
-        <p:cNvPr id="1" name=""/>
-        <p:cNvGrpSpPr/>
-        <p:nvPr/>
-      </p:nvGrpSpPr>
-      <p:grpSpPr>
-        <a:xfrm>
-          <a:off x="0" y="0"/>
-          <a:ext cx="0" cy="0"/>
-          <a:chOff x="0" y="0"/>
-          <a:chExt cx="0" cy="0"/>
-        </a:xfrm>
-      </p:grpSpPr>
-      <p:sp>
-        <p:nvSpPr>
-          <p:cNvPr id="229" name="Title 2"/>
-          <p:cNvSpPr txBox="1"/>
-          <p:nvPr>
-            <p:ph type="title"/>
-          </p:nvPr>
-        </p:nvSpPr>
-        <p:spPr>
-          <a:xfrm>
-            <a:off x="108371" y="169549"/>
-            <a:ext cx="9035699" cy="542101"/>
-          </a:xfrm>
-          <a:prstGeom prst="rect">
-            <a:avLst/>
-          </a:prstGeom>
-        </p:spPr>
-        <p:txBody>
-          <a:bodyPr/>
-          <a:lstStyle>
-            <a:lvl1pPr defTabSz="841247">
-              <a:defRPr sz="2576"/>
-            </a:lvl1pPr>
-          </a:lstStyle>
-          <a:p>
-            <a:pPr/>
-            <a:r>
-              <a:t>GemFire Startup Sequence</a:t>
-            </a:r>
-          </a:p>
-        </p:txBody>
-      </p:sp>
-      <p:sp>
-        <p:nvSpPr>
-          <p:cNvPr id="230" name="Text Placeholder 3"/>
-          <p:cNvSpPr txBox="1"/>
-          <p:nvPr>
-            <p:ph type="body" idx="1"/>
-          </p:nvPr>
-        </p:nvSpPr>
-        <p:spPr>
-          <a:xfrm>
-            <a:off x="289149" y="863612"/>
-            <a:ext cx="8322662" cy="3914008"/>
-          </a:xfrm>
-          <a:prstGeom prst="rect">
-            <a:avLst/>
-          </a:prstGeom>
-        </p:spPr>
-        <p:txBody>
-          <a:bodyPr/>
-          <a:lstStyle/>
-          <a:p>
-            <a:pPr marL="222250" indent="-222250">
-              <a:buSzPct val="30000"/>
-              <a:buBlip>
-                <a:blip r:embed="rId2"/>
-              </a:buBlip>
-            </a:pPr>
-            <a:r>
-              <a:t>Join distributed system</a:t>
-            </a:r>
-          </a:p>
-          <a:p>
-            <a:pPr lvl="1" marL="666750" indent="-222250">
-              <a:buSzPct val="30000"/>
-              <a:buBlip>
-                <a:blip r:embed="rId2"/>
-              </a:buBlip>
-            </a:pPr>
-            <a:r>
-              <a:t>shows up as “member” on Pulse, list members</a:t>
-            </a:r>
-          </a:p>
-          <a:p>
-            <a:pPr lvl="1" marL="666750" indent="-222250">
-              <a:buSzPct val="30000"/>
-              <a:buBlip>
-                <a:blip r:embed="rId2"/>
-              </a:buBlip>
-            </a:pPr>
-          </a:p>
-          <a:p>
-            <a:pPr marL="222250" indent="-222250">
-              <a:buSzPct val="30000"/>
-              <a:buBlip>
-                <a:blip r:embed="rId2"/>
-              </a:buBlip>
-            </a:pPr>
-            <a:r>
-              <a:t>Region Definition Compatibility Checks</a:t>
-            </a:r>
-          </a:p>
-          <a:p>
-            <a:pPr lvl="2" indent="457200"/>
-            <a:r>
-              <a:t>at this point is an empty data node</a:t>
-            </a:r>
-          </a:p>
-          <a:p>
-            <a:pPr lvl="2" indent="457200"/>
-          </a:p>
-          <a:p>
-            <a:pPr marL="222250" indent="-222250">
-              <a:buSzPct val="30000"/>
-              <a:buBlip>
-                <a:blip r:embed="rId2"/>
-              </a:buBlip>
-            </a:pPr>
-            <a:r>
-              <a:t>Data Recovery (may involve indefinite waits if disk stores are present)</a:t>
-            </a:r>
-          </a:p>
-          <a:p>
-            <a:pPr lvl="1" marL="666750" indent="-222250">
-              <a:buSzPct val="30000"/>
-              <a:buBlip>
-                <a:blip r:embed="rId2"/>
-              </a:buBlip>
-            </a:pPr>
-            <a:r>
-              <a:t>from disk</a:t>
-            </a:r>
-          </a:p>
-          <a:p>
-            <a:pPr lvl="1" marL="666750" indent="-222250">
-              <a:buSzPct val="30000"/>
-              <a:buBlip>
-                <a:blip r:embed="rId2"/>
-              </a:buBlip>
-            </a:pPr>
-            <a:r>
-              <a:t>from peers (GII)</a:t>
-            </a:r>
-          </a:p>
-          <a:p>
-            <a:pPr lvl="1" marL="666750" indent="-222250">
-              <a:buSzPct val="30000"/>
-              <a:buBlip>
-                <a:blip r:embed="rId2"/>
-              </a:buBlip>
-            </a:pPr>
-          </a:p>
-          <a:p>
-            <a:pPr marL="222250" indent="-222250">
-              <a:buSzPct val="30000"/>
-              <a:buBlip>
-                <a:blip r:embed="rId2"/>
-              </a:buBlip>
-            </a:pPr>
-            <a:r>
-              <a:t>Start Cache Server (listen for client connections)</a:t>
-            </a:r>
-          </a:p>
-        </p:txBody>
-      </p:sp>
-    </p:spTree>
-  </p:cSld>
-  <p:clrMapOvr>
-    <a:masterClrMapping/>
-  </p:clrMapOvr>
-  <p:transition xmlns:p14="http://schemas.microsoft.com/office/powerpoint/2010/main" spd="med" advClick="1"/>
+  <p:transition xmlns:p14="http://schemas.microsoft.com/office/powerpoint/2010/main" spd="med"/>
 </p:sld>
 </file>
 
 <file path=ppt/slides/slide5.xml><?xml version="1.0" encoding="utf-8"?>
-<p:sld xmlns:a="http://schemas.openxmlformats.org/drawingml/2006/main" xmlns:r="http://schemas.openxmlformats.org/officeDocument/2006/relationships" xmlns:p="http://schemas.openxmlformats.org/presentationml/2006/main" xmlns:m="http://schemas.openxmlformats.org/officeDocument/2006/math" xmlns:a14="http://schemas.microsoft.com/office/drawing/2010/main" showMasterSp="1" showMasterPhAnim="1">
+<p:sld xmlns:a="http://schemas.openxmlformats.org/drawingml/2006/main" xmlns:r="http://schemas.openxmlformats.org/officeDocument/2006/relationships" xmlns:p="http://schemas.openxmlformats.org/presentationml/2006/main">
   <p:cSld>
     <p:spTree>
       <p:nvGrpSpPr>
@@ -6771,12 +6925,12 @@
   <p:clrMapOvr>
     <a:masterClrMapping/>
   </p:clrMapOvr>
-  <p:transition xmlns:p14="http://schemas.microsoft.com/office/powerpoint/2010/main" spd="med" advClick="1"/>
+  <p:transition xmlns:p14="http://schemas.microsoft.com/office/powerpoint/2010/main" spd="med"/>
 </p:sld>
 </file>
 
 <file path=ppt/theme/theme1.xml><?xml version="1.0" encoding="utf-8"?>
-<a:theme xmlns:a="http://schemas.openxmlformats.org/drawingml/2006/main" xmlns:r="http://schemas.openxmlformats.org/officeDocument/2006/relationships" name="Pivotal Main">
+<a:theme xmlns:a="http://schemas.openxmlformats.org/drawingml/2006/main" name="Pivotal Main">
   <a:themeElements>
     <a:clrScheme name="Pivotal Main">
       <a:dk1>
@@ -6902,7 +7056,7 @@
       <a:effectStyleLst>
         <a:effectStyle>
           <a:effectLst>
-            <a:outerShdw sx="100000" sy="100000" kx="0" ky="0" algn="b" rotWithShape="0" blurRad="38100" dist="23000" dir="5400000">
+            <a:outerShdw blurRad="38100" dist="23000" dir="5400000" rotWithShape="0">
               <a:srgbClr val="000000">
                 <a:alpha val="35000"/>
               </a:srgbClr>
@@ -6911,7 +7065,7 @@
         </a:effectStyle>
         <a:effectStyle>
           <a:effectLst>
-            <a:outerShdw sx="100000" sy="100000" kx="0" ky="0" algn="b" rotWithShape="0" blurRad="38100" dist="23000" dir="5400000">
+            <a:outerShdw blurRad="38100" dist="23000" dir="5400000" rotWithShape="0">
               <a:srgbClr val="000000">
                 <a:alpha val="35000"/>
               </a:srgbClr>
@@ -6920,7 +7074,7 @@
         </a:effectStyle>
         <a:effectStyle>
           <a:effectLst>
-            <a:outerShdw sx="100000" sy="100000" kx="0" ky="0" algn="b" rotWithShape="0" blurRad="38100" dist="20000" dir="5400000">
+            <a:outerShdw blurRad="38100" dist="20000" dir="5400000" rotWithShape="0">
               <a:srgbClr val="000000">
                 <a:alpha val="38000"/>
               </a:srgbClr>
@@ -6994,7 +7148,7 @@
           <a:round/>
         </a:ln>
         <a:effectLst>
-          <a:outerShdw sx="100000" sy="100000" kx="0" ky="0" algn="b" rotWithShape="0" blurRad="38100" dist="23000" dir="5400000">
+          <a:outerShdw blurRad="38100" dist="23000" dir="5400000" rotWithShape="0">
             <a:srgbClr val="000000">
               <a:alpha val="35000"/>
             </a:srgbClr>
@@ -7002,7 +7156,7 @@
         </a:effectLst>
         <a:sp3d/>
       </a:spPr>
-      <a:bodyPr rot="0" spcFirstLastPara="1" vertOverflow="overflow" horzOverflow="overflow" vert="horz" wrap="square" lIns="45719" tIns="45719" rIns="45719" bIns="45719" numCol="1" spcCol="38100" rtlCol="0" anchor="ctr" upright="0">
+      <a:bodyPr rot="0" spcFirstLastPara="1" vertOverflow="overflow" horzOverflow="overflow" vert="horz" wrap="square" lIns="45719" tIns="45719" rIns="45719" bIns="45719" numCol="1" spcCol="38100" rtlCol="0" anchor="ctr">
         <a:spAutoFit/>
       </a:bodyPr>
       <a:lstStyle>
@@ -7021,7 +7175,7 @@
           <a:buFontTx/>
           <a:buNone/>
           <a:tabLst/>
-          <a:defRPr b="0" baseline="0" cap="none" i="0" spc="0" strike="noStrike" sz="1400" u="none" kumimoji="0" normalizeH="0">
+          <a:defRPr kumimoji="0" sz="1400" b="0" i="0" u="none" strike="noStrike" cap="none" spc="0" normalizeH="0" baseline="0">
             <a:ln>
               <a:noFill/>
             </a:ln>
@@ -7051,7 +7205,7 @@
           <a:buFontTx/>
           <a:buNone/>
           <a:tabLst/>
-          <a:defRPr b="0" baseline="0" cap="none" i="0" spc="0" strike="noStrike" sz="1800" u="none" kumimoji="0" normalizeH="0">
+          <a:defRPr kumimoji="0" sz="1800" b="0" i="0" u="none" strike="noStrike" cap="none" spc="0" normalizeH="0" baseline="0">
             <a:ln>
               <a:noFill/>
             </a:ln>
@@ -7077,7 +7231,7 @@
           <a:buFontTx/>
           <a:buNone/>
           <a:tabLst/>
-          <a:defRPr b="0" baseline="0" cap="none" i="0" spc="0" strike="noStrike" sz="1800" u="none" kumimoji="0" normalizeH="0">
+          <a:defRPr kumimoji="0" sz="1800" b="0" i="0" u="none" strike="noStrike" cap="none" spc="0" normalizeH="0" baseline="0">
             <a:ln>
               <a:noFill/>
             </a:ln>
@@ -7103,7 +7257,7 @@
           <a:buFontTx/>
           <a:buNone/>
           <a:tabLst/>
-          <a:defRPr b="0" baseline="0" cap="none" i="0" spc="0" strike="noStrike" sz="1800" u="none" kumimoji="0" normalizeH="0">
+          <a:defRPr kumimoji="0" sz="1800" b="0" i="0" u="none" strike="noStrike" cap="none" spc="0" normalizeH="0" baseline="0">
             <a:ln>
               <a:noFill/>
             </a:ln>
@@ -7129,7 +7283,7 @@
           <a:buFontTx/>
           <a:buNone/>
           <a:tabLst/>
-          <a:defRPr b="0" baseline="0" cap="none" i="0" spc="0" strike="noStrike" sz="1800" u="none" kumimoji="0" normalizeH="0">
+          <a:defRPr kumimoji="0" sz="1800" b="0" i="0" u="none" strike="noStrike" cap="none" spc="0" normalizeH="0" baseline="0">
             <a:ln>
               <a:noFill/>
             </a:ln>
@@ -7155,7 +7309,7 @@
           <a:buFontTx/>
           <a:buNone/>
           <a:tabLst/>
-          <a:defRPr b="0" baseline="0" cap="none" i="0" spc="0" strike="noStrike" sz="1800" u="none" kumimoji="0" normalizeH="0">
+          <a:defRPr kumimoji="0" sz="1800" b="0" i="0" u="none" strike="noStrike" cap="none" spc="0" normalizeH="0" baseline="0">
             <a:ln>
               <a:noFill/>
             </a:ln>
@@ -7181,7 +7335,7 @@
           <a:buFontTx/>
           <a:buNone/>
           <a:tabLst/>
-          <a:defRPr b="0" baseline="0" cap="none" i="0" spc="0" strike="noStrike" sz="1800" u="none" kumimoji="0" normalizeH="0">
+          <a:defRPr kumimoji="0" sz="1800" b="0" i="0" u="none" strike="noStrike" cap="none" spc="0" normalizeH="0" baseline="0">
             <a:ln>
               <a:noFill/>
             </a:ln>
@@ -7207,7 +7361,7 @@
           <a:buFontTx/>
           <a:buNone/>
           <a:tabLst/>
-          <a:defRPr b="0" baseline="0" cap="none" i="0" spc="0" strike="noStrike" sz="1800" u="none" kumimoji="0" normalizeH="0">
+          <a:defRPr kumimoji="0" sz="1800" b="0" i="0" u="none" strike="noStrike" cap="none" spc="0" normalizeH="0" baseline="0">
             <a:ln>
               <a:noFill/>
             </a:ln>
@@ -7233,7 +7387,7 @@
           <a:buFontTx/>
           <a:buNone/>
           <a:tabLst/>
-          <a:defRPr b="0" baseline="0" cap="none" i="0" spc="0" strike="noStrike" sz="1800" u="none" kumimoji="0" normalizeH="0">
+          <a:defRPr kumimoji="0" sz="1800" b="0" i="0" u="none" strike="noStrike" cap="none" spc="0" normalizeH="0" baseline="0">
             <a:ln>
               <a:noFill/>
             </a:ln>
@@ -7259,7 +7413,7 @@
           <a:buFontTx/>
           <a:buNone/>
           <a:tabLst/>
-          <a:defRPr b="0" baseline="0" cap="none" i="0" spc="0" strike="noStrike" sz="1800" u="none" kumimoji="0" normalizeH="0">
+          <a:defRPr kumimoji="0" sz="1800" b="0" i="0" u="none" strike="noStrike" cap="none" spc="0" normalizeH="0" baseline="0">
             <a:ln>
               <a:noFill/>
             </a:ln>
@@ -7272,9 +7426,15 @@
         </a:lvl9pPr>
       </a:lstStyle>
       <a:style>
-        <a:lnRef idx="0"/>
-        <a:fillRef idx="0"/>
-        <a:effectRef idx="0"/>
+        <a:lnRef idx="0">
+          <a:scrgbClr r="0" g="0" b="0"/>
+        </a:lnRef>
+        <a:fillRef idx="0">
+          <a:scrgbClr r="0" g="0" b="0"/>
+        </a:fillRef>
+        <a:effectRef idx="0">
+          <a:scrgbClr r="0" g="0" b="0"/>
+        </a:effectRef>
         <a:fontRef idx="none"/>
       </a:style>
     </a:spDef>
@@ -7289,7 +7449,7 @@
           <a:round/>
         </a:ln>
         <a:effectLst>
-          <a:outerShdw sx="100000" sy="100000" kx="0" ky="0" algn="b" rotWithShape="0" blurRad="38100" dist="20000" dir="5400000">
+          <a:outerShdw blurRad="38100" dist="20000" dir="5400000" rotWithShape="0">
             <a:srgbClr val="000000">
               <a:alpha val="38000"/>
             </a:srgbClr>
@@ -7297,7 +7457,7 @@
         </a:effectLst>
         <a:sp3d/>
       </a:spPr>
-      <a:bodyPr rot="0" spcFirstLastPara="1" vertOverflow="overflow" horzOverflow="overflow" vert="horz" wrap="square" lIns="91439" tIns="45719" rIns="91439" bIns="45719" numCol="1" spcCol="38100" rtlCol="0" anchor="t" upright="0">
+      <a:bodyPr rot="0" spcFirstLastPara="1" vertOverflow="overflow" horzOverflow="overflow" vert="horz" wrap="square" lIns="91439" tIns="45719" rIns="91439" bIns="45719" numCol="1" spcCol="38100" rtlCol="0" anchor="t">
         <a:noAutofit/>
       </a:bodyPr>
       <a:lstStyle>
@@ -7316,7 +7476,7 @@
           <a:buFontTx/>
           <a:buNone/>
           <a:tabLst/>
-          <a:defRPr b="0" baseline="0" cap="none" i="0" spc="0" strike="noStrike" sz="1800" u="none" kumimoji="0" normalizeH="0">
+          <a:defRPr kumimoji="0" sz="1800" b="0" i="0" u="none" strike="noStrike" cap="none" spc="0" normalizeH="0" baseline="0">
             <a:ln>
               <a:noFill/>
             </a:ln>
@@ -7342,7 +7502,7 @@
           <a:buFontTx/>
           <a:buNone/>
           <a:tabLst/>
-          <a:defRPr b="0" baseline="0" cap="none" i="0" spc="0" strike="noStrike" sz="1800" u="none" kumimoji="0" normalizeH="0">
+          <a:defRPr kumimoji="0" sz="1800" b="0" i="0" u="none" strike="noStrike" cap="none" spc="0" normalizeH="0" baseline="0">
             <a:ln>
               <a:noFill/>
             </a:ln>
@@ -7368,7 +7528,7 @@
           <a:buFontTx/>
           <a:buNone/>
           <a:tabLst/>
-          <a:defRPr b="0" baseline="0" cap="none" i="0" spc="0" strike="noStrike" sz="1800" u="none" kumimoji="0" normalizeH="0">
+          <a:defRPr kumimoji="0" sz="1800" b="0" i="0" u="none" strike="noStrike" cap="none" spc="0" normalizeH="0" baseline="0">
             <a:ln>
               <a:noFill/>
             </a:ln>
@@ -7394,7 +7554,7 @@
           <a:buFontTx/>
           <a:buNone/>
           <a:tabLst/>
-          <a:defRPr b="0" baseline="0" cap="none" i="0" spc="0" strike="noStrike" sz="1800" u="none" kumimoji="0" normalizeH="0">
+          <a:defRPr kumimoji="0" sz="1800" b="0" i="0" u="none" strike="noStrike" cap="none" spc="0" normalizeH="0" baseline="0">
             <a:ln>
               <a:noFill/>
             </a:ln>
@@ -7420,7 +7580,7 @@
           <a:buFontTx/>
           <a:buNone/>
           <a:tabLst/>
-          <a:defRPr b="0" baseline="0" cap="none" i="0" spc="0" strike="noStrike" sz="1800" u="none" kumimoji="0" normalizeH="0">
+          <a:defRPr kumimoji="0" sz="1800" b="0" i="0" u="none" strike="noStrike" cap="none" spc="0" normalizeH="0" baseline="0">
             <a:ln>
               <a:noFill/>
             </a:ln>
@@ -7446,7 +7606,7 @@
           <a:buFontTx/>
           <a:buNone/>
           <a:tabLst/>
-          <a:defRPr b="0" baseline="0" cap="none" i="0" spc="0" strike="noStrike" sz="1800" u="none" kumimoji="0" normalizeH="0">
+          <a:defRPr kumimoji="0" sz="1800" b="0" i="0" u="none" strike="noStrike" cap="none" spc="0" normalizeH="0" baseline="0">
             <a:ln>
               <a:noFill/>
             </a:ln>
@@ -7472,7 +7632,7 @@
           <a:buFontTx/>
           <a:buNone/>
           <a:tabLst/>
-          <a:defRPr b="0" baseline="0" cap="none" i="0" spc="0" strike="noStrike" sz="1800" u="none" kumimoji="0" normalizeH="0">
+          <a:defRPr kumimoji="0" sz="1800" b="0" i="0" u="none" strike="noStrike" cap="none" spc="0" normalizeH="0" baseline="0">
             <a:ln>
               <a:noFill/>
             </a:ln>
@@ -7498,7 +7658,7 @@
           <a:buFontTx/>
           <a:buNone/>
           <a:tabLst/>
-          <a:defRPr b="0" baseline="0" cap="none" i="0" spc="0" strike="noStrike" sz="1800" u="none" kumimoji="0" normalizeH="0">
+          <a:defRPr kumimoji="0" sz="1800" b="0" i="0" u="none" strike="noStrike" cap="none" spc="0" normalizeH="0" baseline="0">
             <a:ln>
               <a:noFill/>
             </a:ln>
@@ -7524,7 +7684,7 @@
           <a:buFontTx/>
           <a:buNone/>
           <a:tabLst/>
-          <a:defRPr b="0" baseline="0" cap="none" i="0" spc="0" strike="noStrike" sz="1800" u="none" kumimoji="0" normalizeH="0">
+          <a:defRPr kumimoji="0" sz="1800" b="0" i="0" u="none" strike="noStrike" cap="none" spc="0" normalizeH="0" baseline="0">
             <a:ln>
               <a:noFill/>
             </a:ln>
@@ -7550,7 +7710,7 @@
           <a:buFontTx/>
           <a:buNone/>
           <a:tabLst/>
-          <a:defRPr b="0" baseline="0" cap="none" i="0" spc="0" strike="noStrike" sz="1800" u="none" kumimoji="0" normalizeH="0">
+          <a:defRPr kumimoji="0" sz="1800" b="0" i="0" u="none" strike="noStrike" cap="none" spc="0" normalizeH="0" baseline="0">
             <a:ln>
               <a:noFill/>
             </a:ln>
@@ -7563,9 +7723,15 @@
         </a:lvl9pPr>
       </a:lstStyle>
       <a:style>
-        <a:lnRef idx="0"/>
-        <a:fillRef idx="0"/>
-        <a:effectRef idx="0"/>
+        <a:lnRef idx="0">
+          <a:scrgbClr r="0" g="0" b="0"/>
+        </a:lnRef>
+        <a:fillRef idx="0">
+          <a:scrgbClr r="0" g="0" b="0"/>
+        </a:fillRef>
+        <a:effectRef idx="0">
+          <a:scrgbClr r="0" g="0" b="0"/>
+        </a:effectRef>
         <a:fontRef idx="none"/>
       </a:style>
     </a:lnDef>
@@ -7579,7 +7745,7 @@
         <a:effectLst/>
         <a:sp3d/>
       </a:spPr>
-      <a:bodyPr rot="0" spcFirstLastPara="1" vertOverflow="overflow" horzOverflow="overflow" vert="horz" wrap="square" lIns="45719" tIns="45719" rIns="45719" bIns="45719" numCol="1" spcCol="38100" rtlCol="0" anchor="t" upright="0">
+      <a:bodyPr rot="0" spcFirstLastPara="1" vertOverflow="overflow" horzOverflow="overflow" vert="horz" wrap="square" lIns="45719" tIns="45719" rIns="45719" bIns="45719" numCol="1" spcCol="38100" rtlCol="0" anchor="t">
         <a:spAutoFit/>
       </a:bodyPr>
       <a:lstStyle>
@@ -7598,7 +7764,7 @@
           <a:buFontTx/>
           <a:buNone/>
           <a:tabLst/>
-          <a:defRPr b="0" baseline="0" cap="none" i="0" spc="0" strike="noStrike" sz="1400" u="none" kumimoji="0" normalizeH="0">
+          <a:defRPr kumimoji="0" sz="1400" b="0" i="0" u="none" strike="noStrike" cap="none" spc="0" normalizeH="0" baseline="0">
             <a:ln>
               <a:noFill/>
             </a:ln>
@@ -7628,7 +7794,7 @@
           <a:buFontTx/>
           <a:buNone/>
           <a:tabLst/>
-          <a:defRPr b="0" baseline="0" cap="none" i="0" spc="0" strike="noStrike" sz="1800" u="none" kumimoji="0" normalizeH="0">
+          <a:defRPr kumimoji="0" sz="1800" b="0" i="0" u="none" strike="noStrike" cap="none" spc="0" normalizeH="0" baseline="0">
             <a:ln>
               <a:noFill/>
             </a:ln>
@@ -7654,7 +7820,7 @@
           <a:buFontTx/>
           <a:buNone/>
           <a:tabLst/>
-          <a:defRPr b="0" baseline="0" cap="none" i="0" spc="0" strike="noStrike" sz="1800" u="none" kumimoji="0" normalizeH="0">
+          <a:defRPr kumimoji="0" sz="1800" b="0" i="0" u="none" strike="noStrike" cap="none" spc="0" normalizeH="0" baseline="0">
             <a:ln>
               <a:noFill/>
             </a:ln>
@@ -7680,7 +7846,7 @@
           <a:buFontTx/>
           <a:buNone/>
           <a:tabLst/>
-          <a:defRPr b="0" baseline="0" cap="none" i="0" spc="0" strike="noStrike" sz="1800" u="none" kumimoji="0" normalizeH="0">
+          <a:defRPr kumimoji="0" sz="1800" b="0" i="0" u="none" strike="noStrike" cap="none" spc="0" normalizeH="0" baseline="0">
             <a:ln>
               <a:noFill/>
             </a:ln>
@@ -7706,7 +7872,7 @@
           <a:buFontTx/>
           <a:buNone/>
           <a:tabLst/>
-          <a:defRPr b="0" baseline="0" cap="none" i="0" spc="0" strike="noStrike" sz="1800" u="none" kumimoji="0" normalizeH="0">
+          <a:defRPr kumimoji="0" sz="1800" b="0" i="0" u="none" strike="noStrike" cap="none" spc="0" normalizeH="0" baseline="0">
             <a:ln>
               <a:noFill/>
             </a:ln>
@@ -7732,7 +7898,7 @@
           <a:buFontTx/>
           <a:buNone/>
           <a:tabLst/>
-          <a:defRPr b="0" baseline="0" cap="none" i="0" spc="0" strike="noStrike" sz="1800" u="none" kumimoji="0" normalizeH="0">
+          <a:defRPr kumimoji="0" sz="1800" b="0" i="0" u="none" strike="noStrike" cap="none" spc="0" normalizeH="0" baseline="0">
             <a:ln>
               <a:noFill/>
             </a:ln>
@@ -7758,7 +7924,7 @@
           <a:buFontTx/>
           <a:buNone/>
           <a:tabLst/>
-          <a:defRPr b="0" baseline="0" cap="none" i="0" spc="0" strike="noStrike" sz="1800" u="none" kumimoji="0" normalizeH="0">
+          <a:defRPr kumimoji="0" sz="1800" b="0" i="0" u="none" strike="noStrike" cap="none" spc="0" normalizeH="0" baseline="0">
             <a:ln>
               <a:noFill/>
             </a:ln>
@@ -7784,7 +7950,7 @@
           <a:buFontTx/>
           <a:buNone/>
           <a:tabLst/>
-          <a:defRPr b="0" baseline="0" cap="none" i="0" spc="0" strike="noStrike" sz="1800" u="none" kumimoji="0" normalizeH="0">
+          <a:defRPr kumimoji="0" sz="1800" b="0" i="0" u="none" strike="noStrike" cap="none" spc="0" normalizeH="0" baseline="0">
             <a:ln>
               <a:noFill/>
             </a:ln>
@@ -7810,7 +7976,7 @@
           <a:buFontTx/>
           <a:buNone/>
           <a:tabLst/>
-          <a:defRPr b="0" baseline="0" cap="none" i="0" spc="0" strike="noStrike" sz="1800" u="none" kumimoji="0" normalizeH="0">
+          <a:defRPr kumimoji="0" sz="1800" b="0" i="0" u="none" strike="noStrike" cap="none" spc="0" normalizeH="0" baseline="0">
             <a:ln>
               <a:noFill/>
             </a:ln>
@@ -7836,7 +8002,7 @@
           <a:buFontTx/>
           <a:buNone/>
           <a:tabLst/>
-          <a:defRPr b="0" baseline="0" cap="none" i="0" spc="0" strike="noStrike" sz="1800" u="none" kumimoji="0" normalizeH="0">
+          <a:defRPr kumimoji="0" sz="1800" b="0" i="0" u="none" strike="noStrike" cap="none" spc="0" normalizeH="0" baseline="0">
             <a:ln>
               <a:noFill/>
             </a:ln>
@@ -7849,18 +8015,25 @@
         </a:lvl9pPr>
       </a:lstStyle>
       <a:style>
-        <a:lnRef idx="0"/>
-        <a:fillRef idx="0"/>
-        <a:effectRef idx="0"/>
+        <a:lnRef idx="0">
+          <a:scrgbClr r="0" g="0" b="0"/>
+        </a:lnRef>
+        <a:fillRef idx="0">
+          <a:scrgbClr r="0" g="0" b="0"/>
+        </a:fillRef>
+        <a:effectRef idx="0">
+          <a:scrgbClr r="0" g="0" b="0"/>
+        </a:effectRef>
         <a:fontRef idx="none"/>
       </a:style>
     </a:txDef>
   </a:objectDefaults>
+  <a:extraClrSchemeLst/>
 </a:theme>
 </file>
 
 <file path=ppt/theme/theme2.xml><?xml version="1.0" encoding="utf-8"?>
-<a:theme xmlns:a="http://schemas.openxmlformats.org/drawingml/2006/main" xmlns:r="http://schemas.openxmlformats.org/officeDocument/2006/relationships" name="Pivotal Main">
+<a:theme xmlns:a="http://schemas.openxmlformats.org/drawingml/2006/main" name="Pivotal Main">
   <a:themeElements>
     <a:clrScheme name="Pivotal Main">
       <a:dk1>
@@ -7986,7 +8159,7 @@
       <a:effectStyleLst>
         <a:effectStyle>
           <a:effectLst>
-            <a:outerShdw sx="100000" sy="100000" kx="0" ky="0" algn="b" rotWithShape="0" blurRad="38100" dist="23000" dir="5400000">
+            <a:outerShdw blurRad="38100" dist="23000" dir="5400000" rotWithShape="0">
               <a:srgbClr val="000000">
                 <a:alpha val="35000"/>
               </a:srgbClr>
@@ -7995,7 +8168,7 @@
         </a:effectStyle>
         <a:effectStyle>
           <a:effectLst>
-            <a:outerShdw sx="100000" sy="100000" kx="0" ky="0" algn="b" rotWithShape="0" blurRad="38100" dist="23000" dir="5400000">
+            <a:outerShdw blurRad="38100" dist="23000" dir="5400000" rotWithShape="0">
               <a:srgbClr val="000000">
                 <a:alpha val="35000"/>
               </a:srgbClr>
@@ -8004,7 +8177,7 @@
         </a:effectStyle>
         <a:effectStyle>
           <a:effectLst>
-            <a:outerShdw sx="100000" sy="100000" kx="0" ky="0" algn="b" rotWithShape="0" blurRad="38100" dist="20000" dir="5400000">
+            <a:outerShdw blurRad="38100" dist="20000" dir="5400000" rotWithShape="0">
               <a:srgbClr val="000000">
                 <a:alpha val="38000"/>
               </a:srgbClr>
@@ -8078,7 +8251,7 @@
           <a:round/>
         </a:ln>
         <a:effectLst>
-          <a:outerShdw sx="100000" sy="100000" kx="0" ky="0" algn="b" rotWithShape="0" blurRad="38100" dist="23000" dir="5400000">
+          <a:outerShdw blurRad="38100" dist="23000" dir="5400000" rotWithShape="0">
             <a:srgbClr val="000000">
               <a:alpha val="35000"/>
             </a:srgbClr>
@@ -8086,7 +8259,7 @@
         </a:effectLst>
         <a:sp3d/>
       </a:spPr>
-      <a:bodyPr rot="0" spcFirstLastPara="1" vertOverflow="overflow" horzOverflow="overflow" vert="horz" wrap="square" lIns="45719" tIns="45719" rIns="45719" bIns="45719" numCol="1" spcCol="38100" rtlCol="0" anchor="ctr" upright="0">
+      <a:bodyPr rot="0" spcFirstLastPara="1" vertOverflow="overflow" horzOverflow="overflow" vert="horz" wrap="square" lIns="45719" tIns="45719" rIns="45719" bIns="45719" numCol="1" spcCol="38100" rtlCol="0" anchor="ctr">
         <a:spAutoFit/>
       </a:bodyPr>
       <a:lstStyle>
@@ -8105,7 +8278,7 @@
           <a:buFontTx/>
           <a:buNone/>
           <a:tabLst/>
-          <a:defRPr b="0" baseline="0" cap="none" i="0" spc="0" strike="noStrike" sz="1400" u="none" kumimoji="0" normalizeH="0">
+          <a:defRPr kumimoji="0" sz="1400" b="0" i="0" u="none" strike="noStrike" cap="none" spc="0" normalizeH="0" baseline="0">
             <a:ln>
               <a:noFill/>
             </a:ln>
@@ -8135,7 +8308,7 @@
           <a:buFontTx/>
           <a:buNone/>
           <a:tabLst/>
-          <a:defRPr b="0" baseline="0" cap="none" i="0" spc="0" strike="noStrike" sz="1800" u="none" kumimoji="0" normalizeH="0">
+          <a:defRPr kumimoji="0" sz="1800" b="0" i="0" u="none" strike="noStrike" cap="none" spc="0" normalizeH="0" baseline="0">
             <a:ln>
               <a:noFill/>
             </a:ln>
@@ -8161,7 +8334,7 @@
           <a:buFontTx/>
           <a:buNone/>
           <a:tabLst/>
-          <a:defRPr b="0" baseline="0" cap="none" i="0" spc="0" strike="noStrike" sz="1800" u="none" kumimoji="0" normalizeH="0">
+          <a:defRPr kumimoji="0" sz="1800" b="0" i="0" u="none" strike="noStrike" cap="none" spc="0" normalizeH="0" baseline="0">
             <a:ln>
               <a:noFill/>
             </a:ln>
@@ -8187,7 +8360,7 @@
           <a:buFontTx/>
           <a:buNone/>
           <a:tabLst/>
-          <a:defRPr b="0" baseline="0" cap="none" i="0" spc="0" strike="noStrike" sz="1800" u="none" kumimoji="0" normalizeH="0">
+          <a:defRPr kumimoji="0" sz="1800" b="0" i="0" u="none" strike="noStrike" cap="none" spc="0" normalizeH="0" baseline="0">
             <a:ln>
               <a:noFill/>
             </a:ln>
@@ -8213,7 +8386,7 @@
           <a:buFontTx/>
           <a:buNone/>
           <a:tabLst/>
-          <a:defRPr b="0" baseline="0" cap="none" i="0" spc="0" strike="noStrike" sz="1800" u="none" kumimoji="0" normalizeH="0">
+          <a:defRPr kumimoji="0" sz="1800" b="0" i="0" u="none" strike="noStrike" cap="none" spc="0" normalizeH="0" baseline="0">
             <a:ln>
               <a:noFill/>
             </a:ln>
@@ -8239,7 +8412,7 @@
           <a:buFontTx/>
           <a:buNone/>
           <a:tabLst/>
-          <a:defRPr b="0" baseline="0" cap="none" i="0" spc="0" strike="noStrike" sz="1800" u="none" kumimoji="0" normalizeH="0">
+          <a:defRPr kumimoji="0" sz="1800" b="0" i="0" u="none" strike="noStrike" cap="none" spc="0" normalizeH="0" baseline="0">
             <a:ln>
               <a:noFill/>
             </a:ln>
@@ -8265,7 +8438,7 @@
           <a:buFontTx/>
           <a:buNone/>
           <a:tabLst/>
-          <a:defRPr b="0" baseline="0" cap="none" i="0" spc="0" strike="noStrike" sz="1800" u="none" kumimoji="0" normalizeH="0">
+          <a:defRPr kumimoji="0" sz="1800" b="0" i="0" u="none" strike="noStrike" cap="none" spc="0" normalizeH="0" baseline="0">
             <a:ln>
               <a:noFill/>
             </a:ln>
@@ -8291,7 +8464,7 @@
           <a:buFontTx/>
           <a:buNone/>
           <a:tabLst/>
-          <a:defRPr b="0" baseline="0" cap="none" i="0" spc="0" strike="noStrike" sz="1800" u="none" kumimoji="0" normalizeH="0">
+          <a:defRPr kumimoji="0" sz="1800" b="0" i="0" u="none" strike="noStrike" cap="none" spc="0" normalizeH="0" baseline="0">
             <a:ln>
               <a:noFill/>
             </a:ln>
@@ -8317,7 +8490,7 @@
           <a:buFontTx/>
           <a:buNone/>
           <a:tabLst/>
-          <a:defRPr b="0" baseline="0" cap="none" i="0" spc="0" strike="noStrike" sz="1800" u="none" kumimoji="0" normalizeH="0">
+          <a:defRPr kumimoji="0" sz="1800" b="0" i="0" u="none" strike="noStrike" cap="none" spc="0" normalizeH="0" baseline="0">
             <a:ln>
               <a:noFill/>
             </a:ln>
@@ -8343,7 +8516,7 @@
           <a:buFontTx/>
           <a:buNone/>
           <a:tabLst/>
-          <a:defRPr b="0" baseline="0" cap="none" i="0" spc="0" strike="noStrike" sz="1800" u="none" kumimoji="0" normalizeH="0">
+          <a:defRPr kumimoji="0" sz="1800" b="0" i="0" u="none" strike="noStrike" cap="none" spc="0" normalizeH="0" baseline="0">
             <a:ln>
               <a:noFill/>
             </a:ln>
@@ -8356,9 +8529,15 @@
         </a:lvl9pPr>
       </a:lstStyle>
       <a:style>
-        <a:lnRef idx="0"/>
-        <a:fillRef idx="0"/>
-        <a:effectRef idx="0"/>
+        <a:lnRef idx="0">
+          <a:scrgbClr r="0" g="0" b="0"/>
+        </a:lnRef>
+        <a:fillRef idx="0">
+          <a:scrgbClr r="0" g="0" b="0"/>
+        </a:fillRef>
+        <a:effectRef idx="0">
+          <a:scrgbClr r="0" g="0" b="0"/>
+        </a:effectRef>
         <a:fontRef idx="none"/>
       </a:style>
     </a:spDef>
@@ -8373,7 +8552,7 @@
           <a:round/>
         </a:ln>
         <a:effectLst>
-          <a:outerShdw sx="100000" sy="100000" kx="0" ky="0" algn="b" rotWithShape="0" blurRad="38100" dist="20000" dir="5400000">
+          <a:outerShdw blurRad="38100" dist="20000" dir="5400000" rotWithShape="0">
             <a:srgbClr val="000000">
               <a:alpha val="38000"/>
             </a:srgbClr>
@@ -8381,7 +8560,7 @@
         </a:effectLst>
         <a:sp3d/>
       </a:spPr>
-      <a:bodyPr rot="0" spcFirstLastPara="1" vertOverflow="overflow" horzOverflow="overflow" vert="horz" wrap="square" lIns="91439" tIns="45719" rIns="91439" bIns="45719" numCol="1" spcCol="38100" rtlCol="0" anchor="t" upright="0">
+      <a:bodyPr rot="0" spcFirstLastPara="1" vertOverflow="overflow" horzOverflow="overflow" vert="horz" wrap="square" lIns="91439" tIns="45719" rIns="91439" bIns="45719" numCol="1" spcCol="38100" rtlCol="0" anchor="t">
         <a:noAutofit/>
       </a:bodyPr>
       <a:lstStyle>
@@ -8400,7 +8579,7 @@
           <a:buFontTx/>
           <a:buNone/>
           <a:tabLst/>
-          <a:defRPr b="0" baseline="0" cap="none" i="0" spc="0" strike="noStrike" sz="1800" u="none" kumimoji="0" normalizeH="0">
+          <a:defRPr kumimoji="0" sz="1800" b="0" i="0" u="none" strike="noStrike" cap="none" spc="0" normalizeH="0" baseline="0">
             <a:ln>
               <a:noFill/>
             </a:ln>
@@ -8426,7 +8605,7 @@
           <a:buFontTx/>
           <a:buNone/>
           <a:tabLst/>
-          <a:defRPr b="0" baseline="0" cap="none" i="0" spc="0" strike="noStrike" sz="1800" u="none" kumimoji="0" normalizeH="0">
+          <a:defRPr kumimoji="0" sz="1800" b="0" i="0" u="none" strike="noStrike" cap="none" spc="0" normalizeH="0" baseline="0">
             <a:ln>
               <a:noFill/>
             </a:ln>
@@ -8452,7 +8631,7 @@
           <a:buFontTx/>
           <a:buNone/>
           <a:tabLst/>
-          <a:defRPr b="0" baseline="0" cap="none" i="0" spc="0" strike="noStrike" sz="1800" u="none" kumimoji="0" normalizeH="0">
+          <a:defRPr kumimoji="0" sz="1800" b="0" i="0" u="none" strike="noStrike" cap="none" spc="0" normalizeH="0" baseline="0">
             <a:ln>
               <a:noFill/>
             </a:ln>
@@ -8478,7 +8657,7 @@
           <a:buFontTx/>
           <a:buNone/>
           <a:tabLst/>
-          <a:defRPr b="0" baseline="0" cap="none" i="0" spc="0" strike="noStrike" sz="1800" u="none" kumimoji="0" normalizeH="0">
+          <a:defRPr kumimoji="0" sz="1800" b="0" i="0" u="none" strike="noStrike" cap="none" spc="0" normalizeH="0" baseline="0">
             <a:ln>
               <a:noFill/>
             </a:ln>
@@ -8504,7 +8683,7 @@
           <a:buFontTx/>
           <a:buNone/>
           <a:tabLst/>
-          <a:defRPr b="0" baseline="0" cap="none" i="0" spc="0" strike="noStrike" sz="1800" u="none" kumimoji="0" normalizeH="0">
+          <a:defRPr kumimoji="0" sz="1800" b="0" i="0" u="none" strike="noStrike" cap="none" spc="0" normalizeH="0" baseline="0">
             <a:ln>
               <a:noFill/>
             </a:ln>
@@ -8530,7 +8709,7 @@
           <a:buFontTx/>
           <a:buNone/>
           <a:tabLst/>
-          <a:defRPr b="0" baseline="0" cap="none" i="0" spc="0" strike="noStrike" sz="1800" u="none" kumimoji="0" normalizeH="0">
+          <a:defRPr kumimoji="0" sz="1800" b="0" i="0" u="none" strike="noStrike" cap="none" spc="0" normalizeH="0" baseline="0">
             <a:ln>
               <a:noFill/>
             </a:ln>
@@ -8556,7 +8735,7 @@
           <a:buFontTx/>
           <a:buNone/>
           <a:tabLst/>
-          <a:defRPr b="0" baseline="0" cap="none" i="0" spc="0" strike="noStrike" sz="1800" u="none" kumimoji="0" normalizeH="0">
+          <a:defRPr kumimoji="0" sz="1800" b="0" i="0" u="none" strike="noStrike" cap="none" spc="0" normalizeH="0" baseline="0">
             <a:ln>
               <a:noFill/>
             </a:ln>
@@ -8582,7 +8761,7 @@
           <a:buFontTx/>
           <a:buNone/>
           <a:tabLst/>
-          <a:defRPr b="0" baseline="0" cap="none" i="0" spc="0" strike="noStrike" sz="1800" u="none" kumimoji="0" normalizeH="0">
+          <a:defRPr kumimoji="0" sz="1800" b="0" i="0" u="none" strike="noStrike" cap="none" spc="0" normalizeH="0" baseline="0">
             <a:ln>
               <a:noFill/>
             </a:ln>
@@ -8608,7 +8787,7 @@
           <a:buFontTx/>
           <a:buNone/>
           <a:tabLst/>
-          <a:defRPr b="0" baseline="0" cap="none" i="0" spc="0" strike="noStrike" sz="1800" u="none" kumimoji="0" normalizeH="0">
+          <a:defRPr kumimoji="0" sz="1800" b="0" i="0" u="none" strike="noStrike" cap="none" spc="0" normalizeH="0" baseline="0">
             <a:ln>
               <a:noFill/>
             </a:ln>
@@ -8634,7 +8813,7 @@
           <a:buFontTx/>
           <a:buNone/>
           <a:tabLst/>
-          <a:defRPr b="0" baseline="0" cap="none" i="0" spc="0" strike="noStrike" sz="1800" u="none" kumimoji="0" normalizeH="0">
+          <a:defRPr kumimoji="0" sz="1800" b="0" i="0" u="none" strike="noStrike" cap="none" spc="0" normalizeH="0" baseline="0">
             <a:ln>
               <a:noFill/>
             </a:ln>
@@ -8647,9 +8826,15 @@
         </a:lvl9pPr>
       </a:lstStyle>
       <a:style>
-        <a:lnRef idx="0"/>
-        <a:fillRef idx="0"/>
-        <a:effectRef idx="0"/>
+        <a:lnRef idx="0">
+          <a:scrgbClr r="0" g="0" b="0"/>
+        </a:lnRef>
+        <a:fillRef idx="0">
+          <a:scrgbClr r="0" g="0" b="0"/>
+        </a:fillRef>
+        <a:effectRef idx="0">
+          <a:scrgbClr r="0" g="0" b="0"/>
+        </a:effectRef>
         <a:fontRef idx="none"/>
       </a:style>
     </a:lnDef>
@@ -8663,7 +8848,7 @@
         <a:effectLst/>
         <a:sp3d/>
       </a:spPr>
-      <a:bodyPr rot="0" spcFirstLastPara="1" vertOverflow="overflow" horzOverflow="overflow" vert="horz" wrap="square" lIns="45719" tIns="45719" rIns="45719" bIns="45719" numCol="1" spcCol="38100" rtlCol="0" anchor="t" upright="0">
+      <a:bodyPr rot="0" spcFirstLastPara="1" vertOverflow="overflow" horzOverflow="overflow" vert="horz" wrap="square" lIns="45719" tIns="45719" rIns="45719" bIns="45719" numCol="1" spcCol="38100" rtlCol="0" anchor="t">
         <a:spAutoFit/>
       </a:bodyPr>
       <a:lstStyle>
@@ -8682,7 +8867,7 @@
           <a:buFontTx/>
           <a:buNone/>
           <a:tabLst/>
-          <a:defRPr b="0" baseline="0" cap="none" i="0" spc="0" strike="noStrike" sz="1400" u="none" kumimoji="0" normalizeH="0">
+          <a:defRPr kumimoji="0" sz="1400" b="0" i="0" u="none" strike="noStrike" cap="none" spc="0" normalizeH="0" baseline="0">
             <a:ln>
               <a:noFill/>
             </a:ln>
@@ -8712,7 +8897,7 @@
           <a:buFontTx/>
           <a:buNone/>
           <a:tabLst/>
-          <a:defRPr b="0" baseline="0" cap="none" i="0" spc="0" strike="noStrike" sz="1800" u="none" kumimoji="0" normalizeH="0">
+          <a:defRPr kumimoji="0" sz="1800" b="0" i="0" u="none" strike="noStrike" cap="none" spc="0" normalizeH="0" baseline="0">
             <a:ln>
               <a:noFill/>
             </a:ln>
@@ -8738,7 +8923,7 @@
           <a:buFontTx/>
           <a:buNone/>
           <a:tabLst/>
-          <a:defRPr b="0" baseline="0" cap="none" i="0" spc="0" strike="noStrike" sz="1800" u="none" kumimoji="0" normalizeH="0">
+          <a:defRPr kumimoji="0" sz="1800" b="0" i="0" u="none" strike="noStrike" cap="none" spc="0" normalizeH="0" baseline="0">
             <a:ln>
               <a:noFill/>
             </a:ln>
@@ -8764,7 +8949,7 @@
           <a:buFontTx/>
           <a:buNone/>
           <a:tabLst/>
-          <a:defRPr b="0" baseline="0" cap="none" i="0" spc="0" strike="noStrike" sz="1800" u="none" kumimoji="0" normalizeH="0">
+          <a:defRPr kumimoji="0" sz="1800" b="0" i="0" u="none" strike="noStrike" cap="none" spc="0" normalizeH="0" baseline="0">
             <a:ln>
               <a:noFill/>
             </a:ln>
@@ -8790,7 +8975,7 @@
           <a:buFontTx/>
           <a:buNone/>
           <a:tabLst/>
-          <a:defRPr b="0" baseline="0" cap="none" i="0" spc="0" strike="noStrike" sz="1800" u="none" kumimoji="0" normalizeH="0">
+          <a:defRPr kumimoji="0" sz="1800" b="0" i="0" u="none" strike="noStrike" cap="none" spc="0" normalizeH="0" baseline="0">
             <a:ln>
               <a:noFill/>
             </a:ln>
@@ -8816,7 +9001,7 @@
           <a:buFontTx/>
           <a:buNone/>
           <a:tabLst/>
-          <a:defRPr b="0" baseline="0" cap="none" i="0" spc="0" strike="noStrike" sz="1800" u="none" kumimoji="0" normalizeH="0">
+          <a:defRPr kumimoji="0" sz="1800" b="0" i="0" u="none" strike="noStrike" cap="none" spc="0" normalizeH="0" baseline="0">
             <a:ln>
               <a:noFill/>
             </a:ln>
@@ -8842,7 +9027,7 @@
           <a:buFontTx/>
           <a:buNone/>
           <a:tabLst/>
-          <a:defRPr b="0" baseline="0" cap="none" i="0" spc="0" strike="noStrike" sz="1800" u="none" kumimoji="0" normalizeH="0">
+          <a:defRPr kumimoji="0" sz="1800" b="0" i="0" u="none" strike="noStrike" cap="none" spc="0" normalizeH="0" baseline="0">
             <a:ln>
               <a:noFill/>
             </a:ln>
@@ -8868,7 +9053,7 @@
           <a:buFontTx/>
           <a:buNone/>
           <a:tabLst/>
-          <a:defRPr b="0" baseline="0" cap="none" i="0" spc="0" strike="noStrike" sz="1800" u="none" kumimoji="0" normalizeH="0">
+          <a:defRPr kumimoji="0" sz="1800" b="0" i="0" u="none" strike="noStrike" cap="none" spc="0" normalizeH="0" baseline="0">
             <a:ln>
               <a:noFill/>
             </a:ln>
@@ -8894,7 +9079,7 @@
           <a:buFontTx/>
           <a:buNone/>
           <a:tabLst/>
-          <a:defRPr b="0" baseline="0" cap="none" i="0" spc="0" strike="noStrike" sz="1800" u="none" kumimoji="0" normalizeH="0">
+          <a:defRPr kumimoji="0" sz="1800" b="0" i="0" u="none" strike="noStrike" cap="none" spc="0" normalizeH="0" baseline="0">
             <a:ln>
               <a:noFill/>
             </a:ln>
@@ -8920,7 +9105,7 @@
           <a:buFontTx/>
           <a:buNone/>
           <a:tabLst/>
-          <a:defRPr b="0" baseline="0" cap="none" i="0" spc="0" strike="noStrike" sz="1800" u="none" kumimoji="0" normalizeH="0">
+          <a:defRPr kumimoji="0" sz="1800" b="0" i="0" u="none" strike="noStrike" cap="none" spc="0" normalizeH="0" baseline="0">
             <a:ln>
               <a:noFill/>
             </a:ln>
@@ -8933,12 +9118,19 @@
         </a:lvl9pPr>
       </a:lstStyle>
       <a:style>
-        <a:lnRef idx="0"/>
-        <a:fillRef idx="0"/>
-        <a:effectRef idx="0"/>
+        <a:lnRef idx="0">
+          <a:scrgbClr r="0" g="0" b="0"/>
+        </a:lnRef>
+        <a:fillRef idx="0">
+          <a:scrgbClr r="0" g="0" b="0"/>
+        </a:fillRef>
+        <a:effectRef idx="0">
+          <a:scrgbClr r="0" g="0" b="0"/>
+        </a:effectRef>
         <a:fontRef idx="none"/>
       </a:style>
     </a:txDef>
   </a:objectDefaults>
+  <a:extraClrSchemeLst/>
 </a:theme>
 </file>